--- a/EOS/Panel3.pptx
+++ b/EOS/Panel3.pptx
@@ -4,12 +4,23 @@
   <p:sldMasterIdLst>
     <p:sldMasterId id="2147483660" r:id="rId1"/>
   </p:sldMasterIdLst>
+  <p:notesMasterIdLst>
+    <p:notesMasterId r:id="rId15"/>
+  </p:notesMasterIdLst>
   <p:sldIdLst>
     <p:sldId id="256" r:id="rId2"/>
     <p:sldId id="257" r:id="rId3"/>
     <p:sldId id="258" r:id="rId4"/>
     <p:sldId id="259" r:id="rId5"/>
     <p:sldId id="260" r:id="rId6"/>
+    <p:sldId id="261" r:id="rId7"/>
+    <p:sldId id="262" r:id="rId8"/>
+    <p:sldId id="263" r:id="rId9"/>
+    <p:sldId id="264" r:id="rId10"/>
+    <p:sldId id="265" r:id="rId11"/>
+    <p:sldId id="266" r:id="rId12"/>
+    <p:sldId id="268" r:id="rId13"/>
+    <p:sldId id="267" r:id="rId14"/>
   </p:sldIdLst>
   <p:sldSz cx="9144000" cy="6858000" type="screen4x3"/>
   <p:notesSz cx="6858000" cy="9144000"/>
@@ -109,6 +120,869 @@
     </a:lvl9pPr>
   </p:defaultTextStyle>
 </p:presentation>
+</file>
+
+<file path=ppt/notesMasters/notesMaster1.xml><?xml version="1.0" encoding="utf-8"?>
+<p:notesMaster xmlns:a="http://schemas.openxmlformats.org/drawingml/2006/main" xmlns:r="http://schemas.openxmlformats.org/officeDocument/2006/relationships" xmlns:p="http://schemas.openxmlformats.org/presentationml/2006/main">
+  <p:cSld>
+    <p:bg>
+      <p:bgRef idx="1001">
+        <a:schemeClr val="bg1"/>
+      </p:bgRef>
+    </p:bg>
+    <p:spTree>
+      <p:nvGrpSpPr>
+        <p:cNvPr id="1" name=""/>
+        <p:cNvGrpSpPr/>
+        <p:nvPr/>
+      </p:nvGrpSpPr>
+      <p:grpSpPr>
+        <a:xfrm>
+          <a:off x="0" y="0"/>
+          <a:ext cx="0" cy="0"/>
+          <a:chOff x="0" y="0"/>
+          <a:chExt cx="0" cy="0"/>
+        </a:xfrm>
+      </p:grpSpPr>
+      <p:sp>
+        <p:nvSpPr>
+          <p:cNvPr id="2" name="Header Placeholder 1"/>
+          <p:cNvSpPr>
+            <a:spLocks noGrp="1"/>
+          </p:cNvSpPr>
+          <p:nvPr>
+            <p:ph type="hdr" sz="quarter"/>
+          </p:nvPr>
+        </p:nvSpPr>
+        <p:spPr>
+          <a:xfrm>
+            <a:off x="0" y="0"/>
+            <a:ext cx="2971800" cy="457200"/>
+          </a:xfrm>
+          <a:prstGeom prst="rect">
+            <a:avLst/>
+          </a:prstGeom>
+        </p:spPr>
+        <p:txBody>
+          <a:bodyPr vert="horz" lIns="91440" tIns="45720" rIns="91440" bIns="45720" rtlCol="0"/>
+          <a:lstStyle>
+            <a:lvl1pPr algn="l">
+              <a:defRPr sz="1200"/>
+            </a:lvl1pPr>
+          </a:lstStyle>
+          <a:p>
+            <a:endParaRPr lang="en-US"/>
+          </a:p>
+        </p:txBody>
+      </p:sp>
+      <p:sp>
+        <p:nvSpPr>
+          <p:cNvPr id="3" name="Date Placeholder 2"/>
+          <p:cNvSpPr>
+            <a:spLocks noGrp="1"/>
+          </p:cNvSpPr>
+          <p:nvPr>
+            <p:ph type="dt" idx="1"/>
+          </p:nvPr>
+        </p:nvSpPr>
+        <p:spPr>
+          <a:xfrm>
+            <a:off x="3884613" y="0"/>
+            <a:ext cx="2971800" cy="457200"/>
+          </a:xfrm>
+          <a:prstGeom prst="rect">
+            <a:avLst/>
+          </a:prstGeom>
+        </p:spPr>
+        <p:txBody>
+          <a:bodyPr vert="horz" lIns="91440" tIns="45720" rIns="91440" bIns="45720" rtlCol="0"/>
+          <a:lstStyle>
+            <a:lvl1pPr algn="r">
+              <a:defRPr sz="1200"/>
+            </a:lvl1pPr>
+          </a:lstStyle>
+          <a:p>
+            <a:fld id="{87878F60-E9FA-FF44-BF75-64D7F487F9EF}" type="datetimeFigureOut">
+              <a:rPr lang="en-US" smtClean="0"/>
+              <a:t>11/28/12</a:t>
+            </a:fld>
+            <a:endParaRPr lang="en-US"/>
+          </a:p>
+        </p:txBody>
+      </p:sp>
+      <p:sp>
+        <p:nvSpPr>
+          <p:cNvPr id="4" name="Slide Image Placeholder 3"/>
+          <p:cNvSpPr>
+            <a:spLocks noGrp="1" noRot="1" noChangeAspect="1"/>
+          </p:cNvSpPr>
+          <p:nvPr>
+            <p:ph type="sldImg" idx="2"/>
+          </p:nvPr>
+        </p:nvSpPr>
+        <p:spPr>
+          <a:xfrm>
+            <a:off x="1143000" y="685800"/>
+            <a:ext cx="4572000" cy="3429000"/>
+          </a:xfrm>
+          <a:prstGeom prst="rect">
+            <a:avLst/>
+          </a:prstGeom>
+          <a:noFill/>
+          <a:ln w="12700">
+            <a:solidFill>
+              <a:prstClr val="black"/>
+            </a:solidFill>
+          </a:ln>
+        </p:spPr>
+        <p:txBody>
+          <a:bodyPr vert="horz" lIns="91440" tIns="45720" rIns="91440" bIns="45720" rtlCol="0" anchor="ctr"/>
+          <a:lstStyle/>
+          <a:p>
+            <a:endParaRPr lang="en-US"/>
+          </a:p>
+        </p:txBody>
+      </p:sp>
+      <p:sp>
+        <p:nvSpPr>
+          <p:cNvPr id="5" name="Notes Placeholder 4"/>
+          <p:cNvSpPr>
+            <a:spLocks noGrp="1"/>
+          </p:cNvSpPr>
+          <p:nvPr>
+            <p:ph type="body" sz="quarter" idx="3"/>
+          </p:nvPr>
+        </p:nvSpPr>
+        <p:spPr>
+          <a:xfrm>
+            <a:off x="685800" y="4343400"/>
+            <a:ext cx="5486400" cy="4114800"/>
+          </a:xfrm>
+          <a:prstGeom prst="rect">
+            <a:avLst/>
+          </a:prstGeom>
+        </p:spPr>
+        <p:txBody>
+          <a:bodyPr vert="horz" lIns="91440" tIns="45720" rIns="91440" bIns="45720" rtlCol="0"/>
+          <a:lstStyle/>
+          <a:p>
+            <a:pPr lvl="0"/>
+            <a:r>
+              <a:rPr lang="x-none" smtClean="0"/>
+              <a:t>Click to edit Master text styles</a:t>
+            </a:r>
+          </a:p>
+          <a:p>
+            <a:pPr lvl="1"/>
+            <a:r>
+              <a:rPr lang="x-none" smtClean="0"/>
+              <a:t>Second level</a:t>
+            </a:r>
+          </a:p>
+          <a:p>
+            <a:pPr lvl="2"/>
+            <a:r>
+              <a:rPr lang="x-none" smtClean="0"/>
+              <a:t>Third level</a:t>
+            </a:r>
+          </a:p>
+          <a:p>
+            <a:pPr lvl="3"/>
+            <a:r>
+              <a:rPr lang="x-none" smtClean="0"/>
+              <a:t>Fourth level</a:t>
+            </a:r>
+          </a:p>
+          <a:p>
+            <a:pPr lvl="4"/>
+            <a:r>
+              <a:rPr lang="x-none" smtClean="0"/>
+              <a:t>Fifth level</a:t>
+            </a:r>
+            <a:endParaRPr lang="en-US"/>
+          </a:p>
+        </p:txBody>
+      </p:sp>
+      <p:sp>
+        <p:nvSpPr>
+          <p:cNvPr id="6" name="Footer Placeholder 5"/>
+          <p:cNvSpPr>
+            <a:spLocks noGrp="1"/>
+          </p:cNvSpPr>
+          <p:nvPr>
+            <p:ph type="ftr" sz="quarter" idx="4"/>
+          </p:nvPr>
+        </p:nvSpPr>
+        <p:spPr>
+          <a:xfrm>
+            <a:off x="0" y="8685213"/>
+            <a:ext cx="2971800" cy="457200"/>
+          </a:xfrm>
+          <a:prstGeom prst="rect">
+            <a:avLst/>
+          </a:prstGeom>
+        </p:spPr>
+        <p:txBody>
+          <a:bodyPr vert="horz" lIns="91440" tIns="45720" rIns="91440" bIns="45720" rtlCol="0" anchor="b"/>
+          <a:lstStyle>
+            <a:lvl1pPr algn="l">
+              <a:defRPr sz="1200"/>
+            </a:lvl1pPr>
+          </a:lstStyle>
+          <a:p>
+            <a:endParaRPr lang="en-US"/>
+          </a:p>
+        </p:txBody>
+      </p:sp>
+      <p:sp>
+        <p:nvSpPr>
+          <p:cNvPr id="7" name="Slide Number Placeholder 6"/>
+          <p:cNvSpPr>
+            <a:spLocks noGrp="1"/>
+          </p:cNvSpPr>
+          <p:nvPr>
+            <p:ph type="sldNum" sz="quarter" idx="5"/>
+          </p:nvPr>
+        </p:nvSpPr>
+        <p:spPr>
+          <a:xfrm>
+            <a:off x="3884613" y="8685213"/>
+            <a:ext cx="2971800" cy="457200"/>
+          </a:xfrm>
+          <a:prstGeom prst="rect">
+            <a:avLst/>
+          </a:prstGeom>
+        </p:spPr>
+        <p:txBody>
+          <a:bodyPr vert="horz" lIns="91440" tIns="45720" rIns="91440" bIns="45720" rtlCol="0" anchor="b"/>
+          <a:lstStyle>
+            <a:lvl1pPr algn="r">
+              <a:defRPr sz="1200"/>
+            </a:lvl1pPr>
+          </a:lstStyle>
+          <a:p>
+            <a:fld id="{A77D08AC-78C1-5E4D-AC88-DA6FADD65FB2}" type="slidenum">
+              <a:rPr lang="en-US" smtClean="0"/>
+              <a:t>‹#›</a:t>
+            </a:fld>
+            <a:endParaRPr lang="en-US"/>
+          </a:p>
+        </p:txBody>
+      </p:sp>
+    </p:spTree>
+    <p:extLst>
+      <p:ext uri="{BB962C8B-B14F-4D97-AF65-F5344CB8AC3E}">
+        <p14:creationId xmlns:p14="http://schemas.microsoft.com/office/powerpoint/2010/main" val="91382087"/>
+      </p:ext>
+    </p:extLst>
+  </p:cSld>
+  <p:clrMap bg1="lt1" tx1="dk1" bg2="lt2" tx2="dk2" accent1="accent1" accent2="accent2" accent3="accent3" accent4="accent4" accent5="accent5" accent6="accent6" hlink="hlink" folHlink="folHlink"/>
+  <p:notesStyle>
+    <a:lvl1pPr marL="0" algn="l" defTabSz="457200" rtl="0" eaLnBrk="1" latinLnBrk="0" hangingPunct="1">
+      <a:defRPr sz="1200" kern="1200">
+        <a:solidFill>
+          <a:schemeClr val="tx1"/>
+        </a:solidFill>
+        <a:latin typeface="+mn-lt"/>
+        <a:ea typeface="+mn-ea"/>
+        <a:cs typeface="+mn-cs"/>
+      </a:defRPr>
+    </a:lvl1pPr>
+    <a:lvl2pPr marL="457200" algn="l" defTabSz="457200" rtl="0" eaLnBrk="1" latinLnBrk="0" hangingPunct="1">
+      <a:defRPr sz="1200" kern="1200">
+        <a:solidFill>
+          <a:schemeClr val="tx1"/>
+        </a:solidFill>
+        <a:latin typeface="+mn-lt"/>
+        <a:ea typeface="+mn-ea"/>
+        <a:cs typeface="+mn-cs"/>
+      </a:defRPr>
+    </a:lvl2pPr>
+    <a:lvl3pPr marL="914400" algn="l" defTabSz="457200" rtl="0" eaLnBrk="1" latinLnBrk="0" hangingPunct="1">
+      <a:defRPr sz="1200" kern="1200">
+        <a:solidFill>
+          <a:schemeClr val="tx1"/>
+        </a:solidFill>
+        <a:latin typeface="+mn-lt"/>
+        <a:ea typeface="+mn-ea"/>
+        <a:cs typeface="+mn-cs"/>
+      </a:defRPr>
+    </a:lvl3pPr>
+    <a:lvl4pPr marL="1371600" algn="l" defTabSz="457200" rtl="0" eaLnBrk="1" latinLnBrk="0" hangingPunct="1">
+      <a:defRPr sz="1200" kern="1200">
+        <a:solidFill>
+          <a:schemeClr val="tx1"/>
+        </a:solidFill>
+        <a:latin typeface="+mn-lt"/>
+        <a:ea typeface="+mn-ea"/>
+        <a:cs typeface="+mn-cs"/>
+      </a:defRPr>
+    </a:lvl4pPr>
+    <a:lvl5pPr marL="1828800" algn="l" defTabSz="457200" rtl="0" eaLnBrk="1" latinLnBrk="0" hangingPunct="1">
+      <a:defRPr sz="1200" kern="1200">
+        <a:solidFill>
+          <a:schemeClr val="tx1"/>
+        </a:solidFill>
+        <a:latin typeface="+mn-lt"/>
+        <a:ea typeface="+mn-ea"/>
+        <a:cs typeface="+mn-cs"/>
+      </a:defRPr>
+    </a:lvl5pPr>
+    <a:lvl6pPr marL="2286000" algn="l" defTabSz="457200" rtl="0" eaLnBrk="1" latinLnBrk="0" hangingPunct="1">
+      <a:defRPr sz="1200" kern="1200">
+        <a:solidFill>
+          <a:schemeClr val="tx1"/>
+        </a:solidFill>
+        <a:latin typeface="+mn-lt"/>
+        <a:ea typeface="+mn-ea"/>
+        <a:cs typeface="+mn-cs"/>
+      </a:defRPr>
+    </a:lvl6pPr>
+    <a:lvl7pPr marL="2743200" algn="l" defTabSz="457200" rtl="0" eaLnBrk="1" latinLnBrk="0" hangingPunct="1">
+      <a:defRPr sz="1200" kern="1200">
+        <a:solidFill>
+          <a:schemeClr val="tx1"/>
+        </a:solidFill>
+        <a:latin typeface="+mn-lt"/>
+        <a:ea typeface="+mn-ea"/>
+        <a:cs typeface="+mn-cs"/>
+      </a:defRPr>
+    </a:lvl7pPr>
+    <a:lvl8pPr marL="3200400" algn="l" defTabSz="457200" rtl="0" eaLnBrk="1" latinLnBrk="0" hangingPunct="1">
+      <a:defRPr sz="1200" kern="1200">
+        <a:solidFill>
+          <a:schemeClr val="tx1"/>
+        </a:solidFill>
+        <a:latin typeface="+mn-lt"/>
+        <a:ea typeface="+mn-ea"/>
+        <a:cs typeface="+mn-cs"/>
+      </a:defRPr>
+    </a:lvl8pPr>
+    <a:lvl9pPr marL="3657600" algn="l" defTabSz="457200" rtl="0" eaLnBrk="1" latinLnBrk="0" hangingPunct="1">
+      <a:defRPr sz="1200" kern="1200">
+        <a:solidFill>
+          <a:schemeClr val="tx1"/>
+        </a:solidFill>
+        <a:latin typeface="+mn-lt"/>
+        <a:ea typeface="+mn-ea"/>
+        <a:cs typeface="+mn-cs"/>
+      </a:defRPr>
+    </a:lvl9pPr>
+  </p:notesStyle>
+</p:notesMaster>
+</file>
+
+<file path=ppt/notesSlides/notesSlide1.xml><?xml version="1.0" encoding="utf-8"?>
+<p:notes xmlns:a="http://schemas.openxmlformats.org/drawingml/2006/main" xmlns:r="http://schemas.openxmlformats.org/officeDocument/2006/relationships" xmlns:p="http://schemas.openxmlformats.org/presentationml/2006/main">
+  <p:cSld>
+    <p:spTree>
+      <p:nvGrpSpPr>
+        <p:cNvPr id="1" name=""/>
+        <p:cNvGrpSpPr/>
+        <p:nvPr/>
+      </p:nvGrpSpPr>
+      <p:grpSpPr>
+        <a:xfrm>
+          <a:off x="0" y="0"/>
+          <a:ext cx="0" cy="0"/>
+          <a:chOff x="0" y="0"/>
+          <a:chExt cx="0" cy="0"/>
+        </a:xfrm>
+      </p:grpSpPr>
+      <p:sp>
+        <p:nvSpPr>
+          <p:cNvPr id="2" name="Slide Image Placeholder 1"/>
+          <p:cNvSpPr>
+            <a:spLocks noGrp="1" noRot="1" noChangeAspect="1"/>
+          </p:cNvSpPr>
+          <p:nvPr>
+            <p:ph type="sldImg"/>
+          </p:nvPr>
+        </p:nvSpPr>
+        <p:spPr/>
+      </p:sp>
+      <p:sp>
+        <p:nvSpPr>
+          <p:cNvPr id="3" name="Notes Placeholder 2"/>
+          <p:cNvSpPr>
+            <a:spLocks noGrp="1"/>
+          </p:cNvSpPr>
+          <p:nvPr>
+            <p:ph type="body" idx="1"/>
+          </p:nvPr>
+        </p:nvSpPr>
+        <p:spPr/>
+        <p:txBody>
+          <a:bodyPr/>
+          <a:lstStyle/>
+          <a:p>
+            <a:r>
+              <a:rPr lang="en-US" dirty="0" smtClean="0"/>
+              <a:t>What key images are</a:t>
+            </a:r>
+            <a:r>
+              <a:rPr lang="en-US" baseline="0" dirty="0" smtClean="0"/>
+              <a:t> (most information at one point on the board)</a:t>
+            </a:r>
+          </a:p>
+          <a:p>
+            <a:endParaRPr lang="en-US" baseline="0" dirty="0" smtClean="0"/>
+          </a:p>
+          <a:p>
+            <a:r>
+              <a:rPr lang="en-US" baseline="0" dirty="0" smtClean="0"/>
+              <a:t>Get rid of the person covering some of the information that is on the board</a:t>
+            </a:r>
+          </a:p>
+          <a:p>
+            <a:endParaRPr lang="en-US" baseline="0" dirty="0" smtClean="0"/>
+          </a:p>
+          <a:p>
+            <a:r>
+              <a:rPr lang="en-US" dirty="0" smtClean="0"/>
+              <a:t>Why are we doing this? Allows professors to compare their lecture notes with what was actually written on the board. Students</a:t>
+            </a:r>
+            <a:r>
+              <a:rPr lang="en-US" baseline="0" dirty="0" smtClean="0"/>
+              <a:t> with disabilities. </a:t>
+            </a:r>
+            <a:endParaRPr lang="en-US" dirty="0"/>
+          </a:p>
+        </p:txBody>
+      </p:sp>
+      <p:sp>
+        <p:nvSpPr>
+          <p:cNvPr id="4" name="Slide Number Placeholder 3"/>
+          <p:cNvSpPr>
+            <a:spLocks noGrp="1"/>
+          </p:cNvSpPr>
+          <p:nvPr>
+            <p:ph type="sldNum" sz="quarter" idx="10"/>
+          </p:nvPr>
+        </p:nvSpPr>
+        <p:spPr/>
+        <p:txBody>
+          <a:bodyPr/>
+          <a:lstStyle/>
+          <a:p>
+            <a:fld id="{A77D08AC-78C1-5E4D-AC88-DA6FADD65FB2}" type="slidenum">
+              <a:rPr lang="en-US" smtClean="0"/>
+              <a:t>2</a:t>
+            </a:fld>
+            <a:endParaRPr lang="en-US"/>
+          </a:p>
+        </p:txBody>
+      </p:sp>
+    </p:spTree>
+    <p:extLst>
+      <p:ext uri="{BB962C8B-B14F-4D97-AF65-F5344CB8AC3E}">
+        <p14:creationId xmlns:p14="http://schemas.microsoft.com/office/powerpoint/2010/main" val="3700235035"/>
+      </p:ext>
+    </p:extLst>
+  </p:cSld>
+  <p:clrMapOvr>
+    <a:masterClrMapping/>
+  </p:clrMapOvr>
+</p:notes>
+</file>
+
+<file path=ppt/notesSlides/notesSlide2.xml><?xml version="1.0" encoding="utf-8"?>
+<p:notes xmlns:a="http://schemas.openxmlformats.org/drawingml/2006/main" xmlns:r="http://schemas.openxmlformats.org/officeDocument/2006/relationships" xmlns:p="http://schemas.openxmlformats.org/presentationml/2006/main">
+  <p:cSld>
+    <p:spTree>
+      <p:nvGrpSpPr>
+        <p:cNvPr id="1" name=""/>
+        <p:cNvGrpSpPr/>
+        <p:nvPr/>
+      </p:nvGrpSpPr>
+      <p:grpSpPr>
+        <a:xfrm>
+          <a:off x="0" y="0"/>
+          <a:ext cx="0" cy="0"/>
+          <a:chOff x="0" y="0"/>
+          <a:chExt cx="0" cy="0"/>
+        </a:xfrm>
+      </p:grpSpPr>
+      <p:sp>
+        <p:nvSpPr>
+          <p:cNvPr id="2" name="Slide Image Placeholder 1"/>
+          <p:cNvSpPr>
+            <a:spLocks noGrp="1" noRot="1" noChangeAspect="1"/>
+          </p:cNvSpPr>
+          <p:nvPr>
+            <p:ph type="sldImg"/>
+          </p:nvPr>
+        </p:nvSpPr>
+        <p:spPr/>
+      </p:sp>
+      <p:sp>
+        <p:nvSpPr>
+          <p:cNvPr id="3" name="Notes Placeholder 2"/>
+          <p:cNvSpPr>
+            <a:spLocks noGrp="1"/>
+          </p:cNvSpPr>
+          <p:nvPr>
+            <p:ph type="body" idx="1"/>
+          </p:nvPr>
+        </p:nvSpPr>
+        <p:spPr/>
+        <p:txBody>
+          <a:bodyPr/>
+          <a:lstStyle/>
+          <a:p>
+            <a:r>
+              <a:rPr lang="en-US" dirty="0" smtClean="0"/>
+              <a:t>We CANNOT</a:t>
+            </a:r>
+            <a:r>
+              <a:rPr lang="en-US" baseline="0" dirty="0" smtClean="0"/>
+              <a:t> lose information. Even if the key image detection and stitching do not work correctly for an individual run, we still need to capture all of the information that goes on the board. We are legally required to do this.</a:t>
+            </a:r>
+          </a:p>
+          <a:p>
+            <a:endParaRPr lang="en-US" baseline="0" dirty="0" smtClean="0"/>
+          </a:p>
+          <a:p>
+            <a:r>
+              <a:rPr lang="en-US" baseline="0" dirty="0" smtClean="0"/>
+              <a:t>Transport system from room to room. This is why we can’t use SMART boards. Similar to the Microsoft WCS, but needs to be wireless (i.e. cannot use computer to control camera via USB)</a:t>
+            </a:r>
+          </a:p>
+          <a:p>
+            <a:endParaRPr lang="en-US" baseline="0" dirty="0" smtClean="0"/>
+          </a:p>
+          <a:p>
+            <a:endParaRPr lang="en-US" baseline="0" dirty="0" smtClean="0"/>
+          </a:p>
+        </p:txBody>
+      </p:sp>
+      <p:sp>
+        <p:nvSpPr>
+          <p:cNvPr id="4" name="Slide Number Placeholder 3"/>
+          <p:cNvSpPr>
+            <a:spLocks noGrp="1"/>
+          </p:cNvSpPr>
+          <p:nvPr>
+            <p:ph type="sldNum" sz="quarter" idx="10"/>
+          </p:nvPr>
+        </p:nvSpPr>
+        <p:spPr/>
+        <p:txBody>
+          <a:bodyPr/>
+          <a:lstStyle/>
+          <a:p>
+            <a:fld id="{A77D08AC-78C1-5E4D-AC88-DA6FADD65FB2}" type="slidenum">
+              <a:rPr lang="en-US" smtClean="0"/>
+              <a:t>3</a:t>
+            </a:fld>
+            <a:endParaRPr lang="en-US"/>
+          </a:p>
+        </p:txBody>
+      </p:sp>
+    </p:spTree>
+    <p:extLst>
+      <p:ext uri="{BB962C8B-B14F-4D97-AF65-F5344CB8AC3E}">
+        <p14:creationId xmlns:p14="http://schemas.microsoft.com/office/powerpoint/2010/main" val="2135437172"/>
+      </p:ext>
+    </p:extLst>
+  </p:cSld>
+  <p:clrMapOvr>
+    <a:masterClrMapping/>
+  </p:clrMapOvr>
+</p:notes>
+</file>
+
+<file path=ppt/notesSlides/notesSlide3.xml><?xml version="1.0" encoding="utf-8"?>
+<p:notes xmlns:a="http://schemas.openxmlformats.org/drawingml/2006/main" xmlns:r="http://schemas.openxmlformats.org/officeDocument/2006/relationships" xmlns:p="http://schemas.openxmlformats.org/presentationml/2006/main">
+  <p:cSld>
+    <p:spTree>
+      <p:nvGrpSpPr>
+        <p:cNvPr id="1" name=""/>
+        <p:cNvGrpSpPr/>
+        <p:nvPr/>
+      </p:nvGrpSpPr>
+      <p:grpSpPr>
+        <a:xfrm>
+          <a:off x="0" y="0"/>
+          <a:ext cx="0" cy="0"/>
+          <a:chOff x="0" y="0"/>
+          <a:chExt cx="0" cy="0"/>
+        </a:xfrm>
+      </p:grpSpPr>
+      <p:sp>
+        <p:nvSpPr>
+          <p:cNvPr id="2" name="Slide Image Placeholder 1"/>
+          <p:cNvSpPr>
+            <a:spLocks noGrp="1" noRot="1" noChangeAspect="1"/>
+          </p:cNvSpPr>
+          <p:nvPr>
+            <p:ph type="sldImg"/>
+          </p:nvPr>
+        </p:nvSpPr>
+        <p:spPr/>
+      </p:sp>
+      <p:sp>
+        <p:nvSpPr>
+          <p:cNvPr id="3" name="Notes Placeholder 2"/>
+          <p:cNvSpPr>
+            <a:spLocks noGrp="1"/>
+          </p:cNvSpPr>
+          <p:nvPr>
+            <p:ph type="body" idx="1"/>
+          </p:nvPr>
+        </p:nvSpPr>
+        <p:spPr/>
+        <p:txBody>
+          <a:bodyPr/>
+          <a:lstStyle/>
+          <a:p>
+            <a:endParaRPr lang="en-US" dirty="0"/>
+          </a:p>
+        </p:txBody>
+      </p:sp>
+      <p:sp>
+        <p:nvSpPr>
+          <p:cNvPr id="4" name="Slide Number Placeholder 3"/>
+          <p:cNvSpPr>
+            <a:spLocks noGrp="1"/>
+          </p:cNvSpPr>
+          <p:nvPr>
+            <p:ph type="sldNum" sz="quarter" idx="10"/>
+          </p:nvPr>
+        </p:nvSpPr>
+        <p:spPr/>
+        <p:txBody>
+          <a:bodyPr/>
+          <a:lstStyle/>
+          <a:p>
+            <a:fld id="{A77D08AC-78C1-5E4D-AC88-DA6FADD65FB2}" type="slidenum">
+              <a:rPr lang="en-US" smtClean="0"/>
+              <a:t>4</a:t>
+            </a:fld>
+            <a:endParaRPr lang="en-US"/>
+          </a:p>
+        </p:txBody>
+      </p:sp>
+    </p:spTree>
+    <p:extLst>
+      <p:ext uri="{BB962C8B-B14F-4D97-AF65-F5344CB8AC3E}">
+        <p14:creationId xmlns:p14="http://schemas.microsoft.com/office/powerpoint/2010/main" val="1595058049"/>
+      </p:ext>
+    </p:extLst>
+  </p:cSld>
+  <p:clrMapOvr>
+    <a:masterClrMapping/>
+  </p:clrMapOvr>
+</p:notes>
+</file>
+
+<file path=ppt/notesSlides/notesSlide4.xml><?xml version="1.0" encoding="utf-8"?>
+<p:notes xmlns:a="http://schemas.openxmlformats.org/drawingml/2006/main" xmlns:r="http://schemas.openxmlformats.org/officeDocument/2006/relationships" xmlns:p="http://schemas.openxmlformats.org/presentationml/2006/main">
+  <p:cSld>
+    <p:spTree>
+      <p:nvGrpSpPr>
+        <p:cNvPr id="1" name=""/>
+        <p:cNvGrpSpPr/>
+        <p:nvPr/>
+      </p:nvGrpSpPr>
+      <p:grpSpPr>
+        <a:xfrm>
+          <a:off x="0" y="0"/>
+          <a:ext cx="0" cy="0"/>
+          <a:chOff x="0" y="0"/>
+          <a:chExt cx="0" cy="0"/>
+        </a:xfrm>
+      </p:grpSpPr>
+      <p:sp>
+        <p:nvSpPr>
+          <p:cNvPr id="2" name="Slide Image Placeholder 1"/>
+          <p:cNvSpPr>
+            <a:spLocks noGrp="1" noRot="1" noChangeAspect="1"/>
+          </p:cNvSpPr>
+          <p:nvPr>
+            <p:ph type="sldImg"/>
+          </p:nvPr>
+        </p:nvSpPr>
+        <p:spPr/>
+      </p:sp>
+      <p:sp>
+        <p:nvSpPr>
+          <p:cNvPr id="3" name="Notes Placeholder 2"/>
+          <p:cNvSpPr>
+            <a:spLocks noGrp="1"/>
+          </p:cNvSpPr>
+          <p:nvPr>
+            <p:ph type="body" idx="1"/>
+          </p:nvPr>
+        </p:nvSpPr>
+        <p:spPr/>
+        <p:txBody>
+          <a:bodyPr/>
+          <a:lstStyle/>
+          <a:p>
+            <a:r>
+              <a:rPr lang="en-US" dirty="0" smtClean="0"/>
+              <a:t>Nikon Coolpix</a:t>
+            </a:r>
+            <a:r>
+              <a:rPr lang="en-US" baseline="0" dirty="0" smtClean="0"/>
+              <a:t> S800c runs Android, but the battery life was not up to par. Only 150 </a:t>
+            </a:r>
+            <a:r>
+              <a:rPr lang="en-US" baseline="0" dirty="0" err="1" smtClean="0"/>
+              <a:t>pics</a:t>
+            </a:r>
+            <a:r>
+              <a:rPr lang="en-US" baseline="0" dirty="0" smtClean="0"/>
+              <a:t> on one charge. We need 624 </a:t>
+            </a:r>
+            <a:r>
+              <a:rPr lang="en-US" baseline="0" dirty="0" err="1" smtClean="0"/>
+              <a:t>pics</a:t>
+            </a:r>
+            <a:r>
+              <a:rPr lang="en-US" baseline="0" dirty="0" smtClean="0"/>
+              <a:t> for a 52 minute class (assuming 1 picture every 5 seconds as stated in the tech specs)</a:t>
+            </a:r>
+            <a:endParaRPr lang="en-US" dirty="0"/>
+          </a:p>
+        </p:txBody>
+      </p:sp>
+      <p:sp>
+        <p:nvSpPr>
+          <p:cNvPr id="4" name="Slide Number Placeholder 3"/>
+          <p:cNvSpPr>
+            <a:spLocks noGrp="1"/>
+          </p:cNvSpPr>
+          <p:nvPr>
+            <p:ph type="sldNum" sz="quarter" idx="10"/>
+          </p:nvPr>
+        </p:nvSpPr>
+        <p:spPr/>
+        <p:txBody>
+          <a:bodyPr/>
+          <a:lstStyle/>
+          <a:p>
+            <a:fld id="{A77D08AC-78C1-5E4D-AC88-DA6FADD65FB2}" type="slidenum">
+              <a:rPr lang="en-US" smtClean="0"/>
+              <a:t>6</a:t>
+            </a:fld>
+            <a:endParaRPr lang="en-US"/>
+          </a:p>
+        </p:txBody>
+      </p:sp>
+    </p:spTree>
+    <p:extLst>
+      <p:ext uri="{BB962C8B-B14F-4D97-AF65-F5344CB8AC3E}">
+        <p14:creationId xmlns:p14="http://schemas.microsoft.com/office/powerpoint/2010/main" val="1421771291"/>
+      </p:ext>
+    </p:extLst>
+  </p:cSld>
+  <p:clrMapOvr>
+    <a:masterClrMapping/>
+  </p:clrMapOvr>
+</p:notes>
+</file>
+
+<file path=ppt/notesSlides/notesSlide5.xml><?xml version="1.0" encoding="utf-8"?>
+<p:notes xmlns:a="http://schemas.openxmlformats.org/drawingml/2006/main" xmlns:r="http://schemas.openxmlformats.org/officeDocument/2006/relationships" xmlns:p="http://schemas.openxmlformats.org/presentationml/2006/main">
+  <p:cSld>
+    <p:spTree>
+      <p:nvGrpSpPr>
+        <p:cNvPr id="1" name=""/>
+        <p:cNvGrpSpPr/>
+        <p:nvPr/>
+      </p:nvGrpSpPr>
+      <p:grpSpPr>
+        <a:xfrm>
+          <a:off x="0" y="0"/>
+          <a:ext cx="0" cy="0"/>
+          <a:chOff x="0" y="0"/>
+          <a:chExt cx="0" cy="0"/>
+        </a:xfrm>
+      </p:grpSpPr>
+      <p:sp>
+        <p:nvSpPr>
+          <p:cNvPr id="2" name="Slide Image Placeholder 1"/>
+          <p:cNvSpPr>
+            <a:spLocks noGrp="1" noRot="1" noChangeAspect="1"/>
+          </p:cNvSpPr>
+          <p:nvPr>
+            <p:ph type="sldImg"/>
+          </p:nvPr>
+        </p:nvSpPr>
+        <p:spPr/>
+      </p:sp>
+      <p:sp>
+        <p:nvSpPr>
+          <p:cNvPr id="3" name="Notes Placeholder 2"/>
+          <p:cNvSpPr>
+            <a:spLocks noGrp="1"/>
+          </p:cNvSpPr>
+          <p:nvPr>
+            <p:ph type="body" idx="1"/>
+          </p:nvPr>
+        </p:nvSpPr>
+        <p:spPr/>
+        <p:txBody>
+          <a:bodyPr/>
+          <a:lstStyle/>
+          <a:p>
+            <a:r>
+              <a:rPr lang="en-US" dirty="0" smtClean="0"/>
+              <a:t>Portable</a:t>
+            </a:r>
+          </a:p>
+          <a:p>
+            <a:endParaRPr lang="en-US" dirty="0" smtClean="0"/>
+          </a:p>
+          <a:p>
+            <a:r>
+              <a:rPr lang="en-US" dirty="0" smtClean="0"/>
+              <a:t>It’s the most amazing tripod ye</a:t>
+            </a:r>
+            <a:r>
+              <a:rPr lang="en-US" baseline="0" dirty="0" smtClean="0"/>
+              <a:t>t </a:t>
+            </a:r>
+            <a:endParaRPr lang="en-US" dirty="0"/>
+          </a:p>
+        </p:txBody>
+      </p:sp>
+      <p:sp>
+        <p:nvSpPr>
+          <p:cNvPr id="4" name="Slide Number Placeholder 3"/>
+          <p:cNvSpPr>
+            <a:spLocks noGrp="1"/>
+          </p:cNvSpPr>
+          <p:nvPr>
+            <p:ph type="sldNum" sz="quarter" idx="10"/>
+          </p:nvPr>
+        </p:nvSpPr>
+        <p:spPr/>
+        <p:txBody>
+          <a:bodyPr/>
+          <a:lstStyle/>
+          <a:p>
+            <a:fld id="{A77D08AC-78C1-5E4D-AC88-DA6FADD65FB2}" type="slidenum">
+              <a:rPr lang="en-US" smtClean="0"/>
+              <a:t>7</a:t>
+            </a:fld>
+            <a:endParaRPr lang="en-US"/>
+          </a:p>
+        </p:txBody>
+      </p:sp>
+    </p:spTree>
+    <p:extLst>
+      <p:ext uri="{BB962C8B-B14F-4D97-AF65-F5344CB8AC3E}">
+        <p14:creationId xmlns:p14="http://schemas.microsoft.com/office/powerpoint/2010/main" val="2408314700"/>
+      </p:ext>
+    </p:extLst>
+  </p:cSld>
+  <p:clrMapOvr>
+    <a:masterClrMapping/>
+  </p:clrMapOvr>
+</p:notes>
 </file>
 
 <file path=ppt/slideLayouts/slideLayout1.xml><?xml version="1.0" encoding="utf-8"?>
@@ -7840,6 +8714,611 @@
 </p:sld>
 </file>
 
+<file path=ppt/slides/slide10.xml><?xml version="1.0" encoding="utf-8"?>
+<p:sld xmlns:a="http://schemas.openxmlformats.org/drawingml/2006/main" xmlns:r="http://schemas.openxmlformats.org/officeDocument/2006/relationships" xmlns:p="http://schemas.openxmlformats.org/presentationml/2006/main">
+  <p:cSld>
+    <p:spTree>
+      <p:nvGrpSpPr>
+        <p:cNvPr id="1" name=""/>
+        <p:cNvGrpSpPr/>
+        <p:nvPr/>
+      </p:nvGrpSpPr>
+      <p:grpSpPr>
+        <a:xfrm>
+          <a:off x="0" y="0"/>
+          <a:ext cx="0" cy="0"/>
+          <a:chOff x="0" y="0"/>
+          <a:chExt cx="0" cy="0"/>
+        </a:xfrm>
+      </p:grpSpPr>
+      <p:sp>
+        <p:nvSpPr>
+          <p:cNvPr id="2" name="Title 1"/>
+          <p:cNvSpPr>
+            <a:spLocks noGrp="1"/>
+          </p:cNvSpPr>
+          <p:nvPr>
+            <p:ph type="title"/>
+          </p:nvPr>
+        </p:nvSpPr>
+        <p:spPr/>
+        <p:txBody>
+          <a:bodyPr/>
+          <a:lstStyle/>
+          <a:p>
+            <a:r>
+              <a:rPr lang="en-US" dirty="0" smtClean="0"/>
+              <a:t>February Demos</a:t>
+            </a:r>
+            <a:endParaRPr lang="en-US" dirty="0"/>
+          </a:p>
+        </p:txBody>
+      </p:sp>
+      <p:sp>
+        <p:nvSpPr>
+          <p:cNvPr id="3" name="Content Placeholder 2"/>
+          <p:cNvSpPr>
+            <a:spLocks noGrp="1"/>
+          </p:cNvSpPr>
+          <p:nvPr>
+            <p:ph idx="1"/>
+          </p:nvPr>
+        </p:nvSpPr>
+        <p:spPr/>
+        <p:txBody>
+          <a:bodyPr/>
+          <a:lstStyle/>
+          <a:p>
+            <a:r>
+              <a:rPr lang="en-US" dirty="0" smtClean="0"/>
+              <a:t>Android app</a:t>
+            </a:r>
+          </a:p>
+          <a:p>
+            <a:pPr lvl="1"/>
+            <a:r>
+              <a:rPr lang="en-US" dirty="0" smtClean="0"/>
+              <a:t>Capture configuration</a:t>
+            </a:r>
+          </a:p>
+          <a:p>
+            <a:pPr lvl="1"/>
+            <a:r>
+              <a:rPr lang="en-US" dirty="0" smtClean="0"/>
+              <a:t>Image capture process</a:t>
+            </a:r>
+          </a:p>
+          <a:p>
+            <a:r>
+              <a:rPr lang="en-US" dirty="0" smtClean="0"/>
+              <a:t>Analysis system</a:t>
+            </a:r>
+          </a:p>
+          <a:p>
+            <a:pPr lvl="1"/>
+            <a:r>
+              <a:rPr lang="en-US" dirty="0" smtClean="0"/>
+              <a:t>Identify key images in test bed</a:t>
+            </a:r>
+          </a:p>
+          <a:p>
+            <a:pPr lvl="1"/>
+            <a:r>
+              <a:rPr lang="en-US" dirty="0" smtClean="0"/>
+              <a:t>Remove foreground</a:t>
+            </a:r>
+            <a:endParaRPr lang="en-US" dirty="0"/>
+          </a:p>
+        </p:txBody>
+      </p:sp>
+      <p:pic>
+        <p:nvPicPr>
+          <p:cNvPr id="4" name="Picture 3" descr="app-main-layout.eps"/>
+          <p:cNvPicPr>
+            <a:picLocks noChangeAspect="1"/>
+          </p:cNvPicPr>
+          <p:nvPr/>
+        </p:nvPicPr>
+        <p:blipFill>
+          <a:blip r:embed="rId2">
+            <a:extLst>
+              <a:ext uri="{28A0092B-C50C-407E-A947-70E740481C1C}">
+                <a14:useLocalDpi xmlns:a14="http://schemas.microsoft.com/office/drawing/2010/main" val="0"/>
+              </a:ext>
+            </a:extLst>
+          </a:blip>
+          <a:stretch>
+            <a:fillRect/>
+          </a:stretch>
+        </p:blipFill>
+        <p:spPr>
+          <a:xfrm>
+            <a:off x="4279829" y="1709763"/>
+            <a:ext cx="4586994" cy="2372221"/>
+          </a:xfrm>
+          <a:prstGeom prst="rect">
+            <a:avLst/>
+          </a:prstGeom>
+        </p:spPr>
+      </p:pic>
+    </p:spTree>
+    <p:extLst>
+      <p:ext uri="{BB962C8B-B14F-4D97-AF65-F5344CB8AC3E}">
+        <p14:creationId xmlns:p14="http://schemas.microsoft.com/office/powerpoint/2010/main" val="3937695742"/>
+      </p:ext>
+    </p:extLst>
+  </p:cSld>
+  <p:clrMapOvr>
+    <a:masterClrMapping/>
+  </p:clrMapOvr>
+  <p:timing>
+    <p:tnLst>
+      <p:par>
+        <p:cTn xmlns:p14="http://schemas.microsoft.com/office/powerpoint/2010/main" id="1" dur="indefinite" restart="never" nodeType="tmRoot"/>
+      </p:par>
+    </p:tnLst>
+  </p:timing>
+</p:sld>
+</file>
+
+<file path=ppt/slides/slide11.xml><?xml version="1.0" encoding="utf-8"?>
+<p:sld xmlns:a="http://schemas.openxmlformats.org/drawingml/2006/main" xmlns:r="http://schemas.openxmlformats.org/officeDocument/2006/relationships" xmlns:p="http://schemas.openxmlformats.org/presentationml/2006/main">
+  <p:cSld>
+    <p:spTree>
+      <p:nvGrpSpPr>
+        <p:cNvPr id="1" name=""/>
+        <p:cNvGrpSpPr/>
+        <p:nvPr/>
+      </p:nvGrpSpPr>
+      <p:grpSpPr>
+        <a:xfrm>
+          <a:off x="0" y="0"/>
+          <a:ext cx="0" cy="0"/>
+          <a:chOff x="0" y="0"/>
+          <a:chExt cx="0" cy="0"/>
+        </a:xfrm>
+      </p:grpSpPr>
+      <p:sp>
+        <p:nvSpPr>
+          <p:cNvPr id="2" name="Title 1"/>
+          <p:cNvSpPr>
+            <a:spLocks noGrp="1"/>
+          </p:cNvSpPr>
+          <p:nvPr>
+            <p:ph type="title"/>
+          </p:nvPr>
+        </p:nvSpPr>
+        <p:spPr/>
+        <p:txBody>
+          <a:bodyPr/>
+          <a:lstStyle/>
+          <a:p>
+            <a:r>
+              <a:rPr lang="en-US" dirty="0" smtClean="0"/>
+              <a:t>Rough Schedule</a:t>
+            </a:r>
+            <a:endParaRPr lang="en-US" dirty="0"/>
+          </a:p>
+        </p:txBody>
+      </p:sp>
+      <p:sp>
+        <p:nvSpPr>
+          <p:cNvPr id="3" name="Content Placeholder 2"/>
+          <p:cNvSpPr>
+            <a:spLocks noGrp="1"/>
+          </p:cNvSpPr>
+          <p:nvPr>
+            <p:ph idx="1"/>
+          </p:nvPr>
+        </p:nvSpPr>
+        <p:spPr/>
+        <p:txBody>
+          <a:bodyPr/>
+          <a:lstStyle/>
+          <a:p>
+            <a:r>
+              <a:rPr lang="en-US" dirty="0" smtClean="0"/>
+              <a:t>Panel 4</a:t>
+            </a:r>
+          </a:p>
+          <a:p>
+            <a:pPr lvl="1"/>
+            <a:r>
+              <a:rPr lang="en-US" dirty="0" smtClean="0"/>
+              <a:t>App on Samsung Galaxy Camera</a:t>
+            </a:r>
+          </a:p>
+          <a:p>
+            <a:r>
+              <a:rPr lang="en-US" dirty="0" smtClean="0"/>
+              <a:t>Panel 5</a:t>
+            </a:r>
+          </a:p>
+          <a:p>
+            <a:pPr lvl="1"/>
+            <a:r>
+              <a:rPr lang="en-US" dirty="0" smtClean="0"/>
+              <a:t>Functional system</a:t>
+            </a:r>
+          </a:p>
+          <a:p>
+            <a:r>
+              <a:rPr lang="en-US" dirty="0" smtClean="0"/>
+              <a:t>Panel 6</a:t>
+            </a:r>
+          </a:p>
+          <a:p>
+            <a:pPr lvl="1"/>
+            <a:r>
+              <a:rPr lang="en-US" dirty="0" smtClean="0"/>
+              <a:t>Image tweaks</a:t>
+            </a:r>
+            <a:endParaRPr lang="en-US" dirty="0"/>
+          </a:p>
+        </p:txBody>
+      </p:sp>
+    </p:spTree>
+    <p:extLst>
+      <p:ext uri="{BB962C8B-B14F-4D97-AF65-F5344CB8AC3E}">
+        <p14:creationId xmlns:p14="http://schemas.microsoft.com/office/powerpoint/2010/main" val="2988802333"/>
+      </p:ext>
+    </p:extLst>
+  </p:cSld>
+  <p:clrMapOvr>
+    <a:masterClrMapping/>
+  </p:clrMapOvr>
+  <p:timing>
+    <p:tnLst>
+      <p:par>
+        <p:cTn xmlns:p14="http://schemas.microsoft.com/office/powerpoint/2010/main" id="1" dur="indefinite" restart="never" nodeType="tmRoot"/>
+      </p:par>
+    </p:tnLst>
+  </p:timing>
+</p:sld>
+</file>
+
+<file path=ppt/slides/slide12.xml><?xml version="1.0" encoding="utf-8"?>
+<p:sld xmlns:a="http://schemas.openxmlformats.org/drawingml/2006/main" xmlns:r="http://schemas.openxmlformats.org/officeDocument/2006/relationships" xmlns:p="http://schemas.openxmlformats.org/presentationml/2006/main">
+  <p:cSld>
+    <p:spTree>
+      <p:nvGrpSpPr>
+        <p:cNvPr id="1" name=""/>
+        <p:cNvGrpSpPr/>
+        <p:nvPr/>
+      </p:nvGrpSpPr>
+      <p:grpSpPr>
+        <a:xfrm>
+          <a:off x="0" y="0"/>
+          <a:ext cx="0" cy="0"/>
+          <a:chOff x="0" y="0"/>
+          <a:chExt cx="0" cy="0"/>
+        </a:xfrm>
+      </p:grpSpPr>
+      <p:sp>
+        <p:nvSpPr>
+          <p:cNvPr id="2" name="Title 1"/>
+          <p:cNvSpPr>
+            <a:spLocks noGrp="1"/>
+          </p:cNvSpPr>
+          <p:nvPr>
+            <p:ph type="title"/>
+          </p:nvPr>
+        </p:nvSpPr>
+        <p:spPr/>
+        <p:txBody>
+          <a:bodyPr/>
+          <a:lstStyle/>
+          <a:p>
+            <a:r>
+              <a:rPr lang="en-US" dirty="0" smtClean="0"/>
+              <a:t>Budget</a:t>
+            </a:r>
+            <a:endParaRPr lang="en-US" dirty="0"/>
+          </a:p>
+        </p:txBody>
+      </p:sp>
+      <p:graphicFrame>
+        <p:nvGraphicFramePr>
+          <p:cNvPr id="4" name="Content Placeholder 3"/>
+          <p:cNvGraphicFramePr>
+            <a:graphicFrameLocks noGrp="1"/>
+          </p:cNvGraphicFramePr>
+          <p:nvPr>
+            <p:ph idx="1"/>
+            <p:extLst>
+              <p:ext uri="{D42A27DB-BD31-4B8C-83A1-F6EECF244321}">
+                <p14:modId xmlns:p14="http://schemas.microsoft.com/office/powerpoint/2010/main" val="2684519164"/>
+              </p:ext>
+            </p:extLst>
+          </p:nvPr>
+        </p:nvGraphicFramePr>
+        <p:xfrm>
+          <a:off x="2026850" y="2763781"/>
+          <a:ext cx="4829062" cy="1854200"/>
+        </p:xfrm>
+        <a:graphic>
+          <a:graphicData uri="http://schemas.openxmlformats.org/drawingml/2006/table">
+            <a:tbl>
+              <a:tblPr firstRow="1" bandRow="1">
+                <a:tableStyleId>{8EC20E35-A176-4012-BC5E-935CFFF8708E}</a:tableStyleId>
+              </a:tblPr>
+              <a:tblGrid>
+                <a:gridCol w="2757010"/>
+                <a:gridCol w="2072052"/>
+              </a:tblGrid>
+              <a:tr h="370840">
+                <a:tc>
+                  <a:txBody>
+                    <a:bodyPr/>
+                    <a:lstStyle/>
+                    <a:p>
+                      <a:r>
+                        <a:rPr lang="en-US" dirty="0" smtClean="0"/>
+                        <a:t>Item</a:t>
+                      </a:r>
+                      <a:endParaRPr lang="en-US" dirty="0"/>
+                    </a:p>
+                  </a:txBody>
+                  <a:tcPr/>
+                </a:tc>
+                <a:tc>
+                  <a:txBody>
+                    <a:bodyPr/>
+                    <a:lstStyle/>
+                    <a:p>
+                      <a:r>
+                        <a:rPr lang="en-US" dirty="0" smtClean="0"/>
+                        <a:t>Cost</a:t>
+                      </a:r>
+                      <a:endParaRPr lang="en-US" dirty="0"/>
+                    </a:p>
+                  </a:txBody>
+                  <a:tcPr/>
+                </a:tc>
+              </a:tr>
+              <a:tr h="370840">
+                <a:tc>
+                  <a:txBody>
+                    <a:bodyPr/>
+                    <a:lstStyle/>
+                    <a:p>
+                      <a:r>
+                        <a:rPr lang="en-US" dirty="0" smtClean="0"/>
+                        <a:t>Samsung Galaxy Camera</a:t>
+                      </a:r>
+                      <a:endParaRPr lang="en-US" dirty="0"/>
+                    </a:p>
+                  </a:txBody>
+                  <a:tcPr/>
+                </a:tc>
+                <a:tc>
+                  <a:txBody>
+                    <a:bodyPr/>
+                    <a:lstStyle/>
+                    <a:p>
+                      <a:r>
+                        <a:rPr lang="en-US" dirty="0" smtClean="0"/>
+                        <a:t>$500</a:t>
+                      </a:r>
+                      <a:endParaRPr lang="en-US" dirty="0"/>
+                    </a:p>
+                  </a:txBody>
+                  <a:tcPr/>
+                </a:tc>
+              </a:tr>
+              <a:tr h="370840">
+                <a:tc>
+                  <a:txBody>
+                    <a:bodyPr/>
+                    <a:lstStyle/>
+                    <a:p>
+                      <a:r>
+                        <a:rPr lang="en-US" dirty="0" smtClean="0"/>
+                        <a:t>Sony VCT-R100</a:t>
+                      </a:r>
+                      <a:endParaRPr lang="en-US" dirty="0"/>
+                    </a:p>
+                  </a:txBody>
+                  <a:tcPr/>
+                </a:tc>
+                <a:tc>
+                  <a:txBody>
+                    <a:bodyPr/>
+                    <a:lstStyle/>
+                    <a:p>
+                      <a:r>
+                        <a:rPr lang="en-US" dirty="0" smtClean="0"/>
+                        <a:t>$24</a:t>
+                      </a:r>
+                      <a:endParaRPr lang="en-US" dirty="0"/>
+                    </a:p>
+                  </a:txBody>
+                  <a:tcPr/>
+                </a:tc>
+              </a:tr>
+              <a:tr h="370840">
+                <a:tc>
+                  <a:txBody>
+                    <a:bodyPr/>
+                    <a:lstStyle/>
+                    <a:p>
+                      <a:r>
+                        <a:rPr lang="en-US" dirty="0" smtClean="0"/>
+                        <a:t>32 GB </a:t>
+                      </a:r>
+                      <a:r>
+                        <a:rPr lang="en-US" dirty="0" err="1" smtClean="0"/>
+                        <a:t>microSD</a:t>
+                      </a:r>
+                      <a:endParaRPr lang="en-US" dirty="0"/>
+                    </a:p>
+                  </a:txBody>
+                  <a:tcPr/>
+                </a:tc>
+                <a:tc>
+                  <a:txBody>
+                    <a:bodyPr/>
+                    <a:lstStyle/>
+                    <a:p>
+                      <a:r>
+                        <a:rPr lang="en-US" dirty="0" smtClean="0"/>
+                        <a:t>$23</a:t>
+                      </a:r>
+                      <a:endParaRPr lang="en-US" dirty="0"/>
+                    </a:p>
+                  </a:txBody>
+                  <a:tcPr/>
+                </a:tc>
+              </a:tr>
+              <a:tr h="370840">
+                <a:tc>
+                  <a:txBody>
+                    <a:bodyPr/>
+                    <a:lstStyle/>
+                    <a:p>
+                      <a:r>
+                        <a:rPr lang="en-US" dirty="0" smtClean="0"/>
+                        <a:t>TOTAL</a:t>
+                      </a:r>
+                      <a:endParaRPr lang="en-US" dirty="0"/>
+                    </a:p>
+                  </a:txBody>
+                  <a:tcPr/>
+                </a:tc>
+                <a:tc>
+                  <a:txBody>
+                    <a:bodyPr/>
+                    <a:lstStyle/>
+                    <a:p>
+                      <a:r>
+                        <a:rPr lang="en-US" dirty="0" smtClean="0"/>
+                        <a:t>$547</a:t>
+                      </a:r>
+                      <a:endParaRPr lang="en-US" dirty="0"/>
+                    </a:p>
+                  </a:txBody>
+                  <a:tcPr/>
+                </a:tc>
+              </a:tr>
+            </a:tbl>
+          </a:graphicData>
+        </a:graphic>
+      </p:graphicFrame>
+    </p:spTree>
+    <p:extLst>
+      <p:ext uri="{BB962C8B-B14F-4D97-AF65-F5344CB8AC3E}">
+        <p14:creationId xmlns:p14="http://schemas.microsoft.com/office/powerpoint/2010/main" val="532561262"/>
+      </p:ext>
+    </p:extLst>
+  </p:cSld>
+  <p:clrMapOvr>
+    <a:masterClrMapping/>
+  </p:clrMapOvr>
+  <p:timing>
+    <p:tnLst>
+      <p:par>
+        <p:cTn xmlns:p14="http://schemas.microsoft.com/office/powerpoint/2010/main" id="1" dur="indefinite" restart="never" nodeType="tmRoot"/>
+      </p:par>
+    </p:tnLst>
+  </p:timing>
+</p:sld>
+</file>
+
+<file path=ppt/slides/slide13.xml><?xml version="1.0" encoding="utf-8"?>
+<p:sld xmlns:a="http://schemas.openxmlformats.org/drawingml/2006/main" xmlns:r="http://schemas.openxmlformats.org/officeDocument/2006/relationships" xmlns:p="http://schemas.openxmlformats.org/presentationml/2006/main">
+  <p:cSld>
+    <p:spTree>
+      <p:nvGrpSpPr>
+        <p:cNvPr id="1" name=""/>
+        <p:cNvGrpSpPr/>
+        <p:nvPr/>
+      </p:nvGrpSpPr>
+      <p:grpSpPr>
+        <a:xfrm>
+          <a:off x="0" y="0"/>
+          <a:ext cx="0" cy="0"/>
+          <a:chOff x="0" y="0"/>
+          <a:chExt cx="0" cy="0"/>
+        </a:xfrm>
+      </p:grpSpPr>
+      <p:sp>
+        <p:nvSpPr>
+          <p:cNvPr id="2" name="Title 1"/>
+          <p:cNvSpPr>
+            <a:spLocks noGrp="1"/>
+          </p:cNvSpPr>
+          <p:nvPr>
+            <p:ph type="title"/>
+          </p:nvPr>
+        </p:nvSpPr>
+        <p:spPr/>
+        <p:txBody>
+          <a:bodyPr/>
+          <a:lstStyle/>
+          <a:p>
+            <a:r>
+              <a:rPr lang="en-US" dirty="0" smtClean="0"/>
+              <a:t>Feedback</a:t>
+            </a:r>
+            <a:endParaRPr lang="en-US" dirty="0"/>
+          </a:p>
+        </p:txBody>
+      </p:sp>
+      <p:sp>
+        <p:nvSpPr>
+          <p:cNvPr id="3" name="Content Placeholder 2"/>
+          <p:cNvSpPr>
+            <a:spLocks noGrp="1"/>
+          </p:cNvSpPr>
+          <p:nvPr>
+            <p:ph idx="1"/>
+          </p:nvPr>
+        </p:nvSpPr>
+        <p:spPr/>
+        <p:txBody>
+          <a:bodyPr/>
+          <a:lstStyle/>
+          <a:p>
+            <a:r>
+              <a:rPr lang="en-US" dirty="0" smtClean="0"/>
+              <a:t>Questions?</a:t>
+            </a:r>
+          </a:p>
+          <a:p>
+            <a:r>
+              <a:rPr lang="en-US" dirty="0" smtClean="0"/>
+              <a:t>Comments?</a:t>
+            </a:r>
+          </a:p>
+          <a:p>
+            <a:r>
+              <a:rPr lang="en-US" dirty="0" smtClean="0"/>
+              <a:t>Concerns?</a:t>
+            </a:r>
+            <a:endParaRPr lang="en-US" dirty="0"/>
+          </a:p>
+        </p:txBody>
+      </p:sp>
+    </p:spTree>
+    <p:extLst>
+      <p:ext uri="{BB962C8B-B14F-4D97-AF65-F5344CB8AC3E}">
+        <p14:creationId xmlns:p14="http://schemas.microsoft.com/office/powerpoint/2010/main" val="416006833"/>
+      </p:ext>
+    </p:extLst>
+  </p:cSld>
+  <p:clrMapOvr>
+    <a:masterClrMapping/>
+  </p:clrMapOvr>
+  <p:timing>
+    <p:tnLst>
+      <p:par>
+        <p:cTn xmlns:p14="http://schemas.microsoft.com/office/powerpoint/2010/main" id="1" dur="indefinite" restart="never" nodeType="tmRoot"/>
+      </p:par>
+    </p:tnLst>
+  </p:timing>
+</p:sld>
+</file>
+
 <file path=ppt/slides/slide2.xml><?xml version="1.0" encoding="utf-8"?>
 <p:sld xmlns:a="http://schemas.openxmlformats.org/drawingml/2006/main" xmlns:r="http://schemas.openxmlformats.org/officeDocument/2006/relationships" xmlns:p="http://schemas.openxmlformats.org/presentationml/2006/main">
   <p:cSld>
@@ -7941,7 +9420,7 @@
           <p:nvPr/>
         </p:nvPicPr>
         <p:blipFill>
-          <a:blip r:embed="rId2">
+          <a:blip r:embed="rId3">
             <a:extLst>
               <a:ext uri="{28A0092B-C50C-407E-A947-70E740481C1C}">
                 <a14:useLocalDpi xmlns:a14="http://schemas.microsoft.com/office/drawing/2010/main" val="0"/>
@@ -8095,7 +9574,7 @@
           <p:nvPr/>
         </p:nvPicPr>
         <p:blipFill>
-          <a:blip r:embed="rId2">
+          <a:blip r:embed="rId3">
             <a:extLst>
               <a:ext uri="{28A0092B-C50C-407E-A947-70E740481C1C}">
                 <a14:useLocalDpi xmlns:a14="http://schemas.microsoft.com/office/drawing/2010/main" val="0"/>
@@ -8251,14 +9730,14 @@
       </p:sp>
       <p:pic>
         <p:nvPicPr>
-          <p:cNvPr id="4" name="Picture 3" descr="concept-of-operation.eps"/>
+          <p:cNvPr id="5" name="Picture 4" descr="concept-of-operation.eps"/>
           <p:cNvPicPr>
             <a:picLocks noChangeAspect="1"/>
           </p:cNvPicPr>
           <p:nvPr/>
         </p:nvPicPr>
         <p:blipFill>
-          <a:blip r:embed="rId2">
+          <a:blip r:embed="rId3">
             <a:extLst>
               <a:ext uri="{28A0092B-C50C-407E-A947-70E740481C1C}">
                 <a14:useLocalDpi xmlns:a14="http://schemas.microsoft.com/office/drawing/2010/main" val="0"/>
@@ -8271,8 +9750,8 @@
         </p:blipFill>
         <p:spPr>
           <a:xfrm>
-            <a:off x="1384578" y="3651601"/>
-            <a:ext cx="6170702" cy="2678858"/>
+            <a:off x="1625600" y="3807689"/>
+            <a:ext cx="5880100" cy="2552700"/>
           </a:xfrm>
           <a:prstGeom prst="rect">
             <a:avLst/>
@@ -8412,6 +9891,530 @@
   <p:clrMapOvr>
     <a:masterClrMapping/>
   </p:clrMapOvr>
+  <p:timing>
+    <p:tnLst>
+      <p:par>
+        <p:cTn xmlns:p14="http://schemas.microsoft.com/office/powerpoint/2010/main" id="1" dur="indefinite" restart="never" nodeType="tmRoot"/>
+      </p:par>
+    </p:tnLst>
+  </p:timing>
+</p:sld>
+</file>
+
+<file path=ppt/slides/slide6.xml><?xml version="1.0" encoding="utf-8"?>
+<p:sld xmlns:a="http://schemas.openxmlformats.org/drawingml/2006/main" xmlns:r="http://schemas.openxmlformats.org/officeDocument/2006/relationships" xmlns:p="http://schemas.openxmlformats.org/presentationml/2006/main">
+  <p:cSld>
+    <p:spTree>
+      <p:nvGrpSpPr>
+        <p:cNvPr id="1" name=""/>
+        <p:cNvGrpSpPr/>
+        <p:nvPr/>
+      </p:nvGrpSpPr>
+      <p:grpSpPr>
+        <a:xfrm>
+          <a:off x="0" y="0"/>
+          <a:ext cx="0" cy="0"/>
+          <a:chOff x="0" y="0"/>
+          <a:chExt cx="0" cy="0"/>
+        </a:xfrm>
+      </p:grpSpPr>
+      <p:sp>
+        <p:nvSpPr>
+          <p:cNvPr id="2" name="Title 1"/>
+          <p:cNvSpPr>
+            <a:spLocks noGrp="1"/>
+          </p:cNvSpPr>
+          <p:nvPr>
+            <p:ph type="title"/>
+          </p:nvPr>
+        </p:nvSpPr>
+        <p:spPr/>
+        <p:txBody>
+          <a:bodyPr/>
+          <a:lstStyle/>
+          <a:p>
+            <a:r>
+              <a:rPr lang="en-US" dirty="0" smtClean="0"/>
+              <a:t>Camera Selection</a:t>
+            </a:r>
+            <a:endParaRPr lang="en-US" dirty="0"/>
+          </a:p>
+        </p:txBody>
+      </p:sp>
+      <p:sp>
+        <p:nvSpPr>
+          <p:cNvPr id="3" name="Content Placeholder 2"/>
+          <p:cNvSpPr>
+            <a:spLocks noGrp="1"/>
+          </p:cNvSpPr>
+          <p:nvPr>
+            <p:ph idx="1"/>
+          </p:nvPr>
+        </p:nvSpPr>
+        <p:spPr/>
+        <p:txBody>
+          <a:bodyPr/>
+          <a:lstStyle/>
+          <a:p>
+            <a:r>
+              <a:rPr lang="en-US" dirty="0" smtClean="0"/>
+              <a:t>Samsung Galaxy Camera</a:t>
+            </a:r>
+          </a:p>
+          <a:p>
+            <a:pPr lvl="1"/>
+            <a:r>
+              <a:rPr lang="en-US" dirty="0" smtClean="0"/>
+              <a:t>Programmable</a:t>
+            </a:r>
+          </a:p>
+          <a:p>
+            <a:pPr lvl="1"/>
+            <a:r>
+              <a:rPr lang="en-US" dirty="0" err="1" smtClean="0"/>
+              <a:t>Wifi</a:t>
+            </a:r>
+            <a:endParaRPr lang="en-US" dirty="0" smtClean="0"/>
+          </a:p>
+          <a:p>
+            <a:pPr lvl="1"/>
+            <a:r>
+              <a:rPr lang="en-US" dirty="0" smtClean="0"/>
+              <a:t>21x Optical zoom</a:t>
+            </a:r>
+          </a:p>
+          <a:p>
+            <a:pPr lvl="1"/>
+            <a:r>
+              <a:rPr lang="en-US" dirty="0" smtClean="0"/>
+              <a:t>8 hour battery</a:t>
+            </a:r>
+            <a:endParaRPr lang="en-US" dirty="0"/>
+          </a:p>
+        </p:txBody>
+      </p:sp>
+      <p:pic>
+        <p:nvPicPr>
+          <p:cNvPr id="5" name="Picture 4" descr="galaxy camera.jpg"/>
+          <p:cNvPicPr>
+            <a:picLocks noChangeAspect="1"/>
+          </p:cNvPicPr>
+          <p:nvPr/>
+        </p:nvPicPr>
+        <p:blipFill rotWithShape="1">
+          <a:blip r:embed="rId3">
+            <a:extLst>
+              <a:ext uri="{28A0092B-C50C-407E-A947-70E740481C1C}">
+                <a14:useLocalDpi xmlns:a14="http://schemas.microsoft.com/office/drawing/2010/main" val="0"/>
+              </a:ext>
+            </a:extLst>
+          </a:blip>
+          <a:srcRect l="7391" t="1845" r="15213" b="23252"/>
+          <a:stretch/>
+        </p:blipFill>
+        <p:spPr>
+          <a:xfrm>
+            <a:off x="5131969" y="2144292"/>
+            <a:ext cx="3356756" cy="4204092"/>
+          </a:xfrm>
+          <a:prstGeom prst="rect">
+            <a:avLst/>
+          </a:prstGeom>
+        </p:spPr>
+      </p:pic>
+    </p:spTree>
+    <p:extLst>
+      <p:ext uri="{BB962C8B-B14F-4D97-AF65-F5344CB8AC3E}">
+        <p14:creationId xmlns:p14="http://schemas.microsoft.com/office/powerpoint/2010/main" val="2778259502"/>
+      </p:ext>
+    </p:extLst>
+  </p:cSld>
+  <p:clrMapOvr>
+    <a:masterClrMapping/>
+  </p:clrMapOvr>
+  <p:timing>
+    <p:tnLst>
+      <p:par>
+        <p:cTn xmlns:p14="http://schemas.microsoft.com/office/powerpoint/2010/main" id="1" dur="indefinite" restart="never" nodeType="tmRoot"/>
+      </p:par>
+    </p:tnLst>
+  </p:timing>
+</p:sld>
+</file>
+
+<file path=ppt/slides/slide7.xml><?xml version="1.0" encoding="utf-8"?>
+<p:sld xmlns:a="http://schemas.openxmlformats.org/drawingml/2006/main" xmlns:r="http://schemas.openxmlformats.org/officeDocument/2006/relationships" xmlns:p="http://schemas.openxmlformats.org/presentationml/2006/main">
+  <p:cSld>
+    <p:spTree>
+      <p:nvGrpSpPr>
+        <p:cNvPr id="1" name=""/>
+        <p:cNvGrpSpPr/>
+        <p:nvPr/>
+      </p:nvGrpSpPr>
+      <p:grpSpPr>
+        <a:xfrm>
+          <a:off x="0" y="0"/>
+          <a:ext cx="0" cy="0"/>
+          <a:chOff x="0" y="0"/>
+          <a:chExt cx="0" cy="0"/>
+        </a:xfrm>
+      </p:grpSpPr>
+      <p:sp>
+        <p:nvSpPr>
+          <p:cNvPr id="2" name="Title 1"/>
+          <p:cNvSpPr>
+            <a:spLocks noGrp="1"/>
+          </p:cNvSpPr>
+          <p:nvPr>
+            <p:ph type="title"/>
+          </p:nvPr>
+        </p:nvSpPr>
+        <p:spPr/>
+        <p:txBody>
+          <a:bodyPr/>
+          <a:lstStyle/>
+          <a:p>
+            <a:r>
+              <a:rPr lang="en-US" dirty="0" smtClean="0"/>
+              <a:t>Tripod Selection</a:t>
+            </a:r>
+            <a:endParaRPr lang="en-US" dirty="0"/>
+          </a:p>
+        </p:txBody>
+      </p:sp>
+      <p:sp>
+        <p:nvSpPr>
+          <p:cNvPr id="3" name="Content Placeholder 2"/>
+          <p:cNvSpPr>
+            <a:spLocks noGrp="1"/>
+          </p:cNvSpPr>
+          <p:nvPr>
+            <p:ph idx="1"/>
+          </p:nvPr>
+        </p:nvSpPr>
+        <p:spPr/>
+        <p:txBody>
+          <a:bodyPr/>
+          <a:lstStyle/>
+          <a:p>
+            <a:r>
+              <a:rPr lang="en-US" dirty="0" smtClean="0"/>
+              <a:t>Sony VCT-R100 Tripod</a:t>
+            </a:r>
+          </a:p>
+          <a:p>
+            <a:pPr lvl="1"/>
+            <a:r>
+              <a:rPr lang="en-US" dirty="0" smtClean="0"/>
+              <a:t>14” collapsed</a:t>
+            </a:r>
+          </a:p>
+          <a:p>
+            <a:pPr lvl="1"/>
+            <a:r>
+              <a:rPr lang="en-US" dirty="0" smtClean="0"/>
+              <a:t>39” extended</a:t>
+            </a:r>
+          </a:p>
+          <a:p>
+            <a:pPr lvl="1"/>
+            <a:r>
+              <a:rPr lang="en-US" dirty="0" smtClean="0"/>
+              <a:t>Fits in backpack </a:t>
+            </a:r>
+          </a:p>
+        </p:txBody>
+      </p:sp>
+      <p:pic>
+        <p:nvPicPr>
+          <p:cNvPr id="4" name="Picture 3" descr="tripod.jpg"/>
+          <p:cNvPicPr>
+            <a:picLocks noChangeAspect="1"/>
+          </p:cNvPicPr>
+          <p:nvPr/>
+        </p:nvPicPr>
+        <p:blipFill>
+          <a:blip r:embed="rId3">
+            <a:extLst>
+              <a:ext uri="{28A0092B-C50C-407E-A947-70E740481C1C}">
+                <a14:useLocalDpi xmlns:a14="http://schemas.microsoft.com/office/drawing/2010/main" val="0"/>
+              </a:ext>
+            </a:extLst>
+          </a:blip>
+          <a:stretch>
+            <a:fillRect/>
+          </a:stretch>
+        </p:blipFill>
+        <p:spPr>
+          <a:xfrm>
+            <a:off x="4780906" y="2224732"/>
+            <a:ext cx="4025613" cy="4025613"/>
+          </a:xfrm>
+          <a:prstGeom prst="rect">
+            <a:avLst/>
+          </a:prstGeom>
+        </p:spPr>
+      </p:pic>
+    </p:spTree>
+    <p:extLst>
+      <p:ext uri="{BB962C8B-B14F-4D97-AF65-F5344CB8AC3E}">
+        <p14:creationId xmlns:p14="http://schemas.microsoft.com/office/powerpoint/2010/main" val="1684395038"/>
+      </p:ext>
+    </p:extLst>
+  </p:cSld>
+  <p:clrMapOvr>
+    <a:masterClrMapping/>
+  </p:clrMapOvr>
+  <p:timing>
+    <p:tnLst>
+      <p:par>
+        <p:cTn xmlns:p14="http://schemas.microsoft.com/office/powerpoint/2010/main" id="1" dur="indefinite" restart="never" nodeType="tmRoot"/>
+      </p:par>
+    </p:tnLst>
+  </p:timing>
+</p:sld>
+</file>
+
+<file path=ppt/slides/slide8.xml><?xml version="1.0" encoding="utf-8"?>
+<p:sld xmlns:a="http://schemas.openxmlformats.org/drawingml/2006/main" xmlns:r="http://schemas.openxmlformats.org/officeDocument/2006/relationships" xmlns:p="http://schemas.openxmlformats.org/presentationml/2006/main">
+  <p:cSld>
+    <p:spTree>
+      <p:nvGrpSpPr>
+        <p:cNvPr id="1" name=""/>
+        <p:cNvGrpSpPr/>
+        <p:nvPr/>
+      </p:nvGrpSpPr>
+      <p:grpSpPr>
+        <a:xfrm>
+          <a:off x="0" y="0"/>
+          <a:ext cx="0" cy="0"/>
+          <a:chOff x="0" y="0"/>
+          <a:chExt cx="0" cy="0"/>
+        </a:xfrm>
+      </p:grpSpPr>
+      <p:sp>
+        <p:nvSpPr>
+          <p:cNvPr id="2" name="Title 1"/>
+          <p:cNvSpPr>
+            <a:spLocks noGrp="1"/>
+          </p:cNvSpPr>
+          <p:nvPr>
+            <p:ph type="title"/>
+          </p:nvPr>
+        </p:nvSpPr>
+        <p:spPr/>
+        <p:txBody>
+          <a:bodyPr/>
+          <a:lstStyle/>
+          <a:p>
+            <a:r>
+              <a:rPr lang="en-US" dirty="0" smtClean="0"/>
+              <a:t>Android App</a:t>
+            </a:r>
+            <a:endParaRPr lang="en-US" dirty="0"/>
+          </a:p>
+        </p:txBody>
+      </p:sp>
+      <p:pic>
+        <p:nvPicPr>
+          <p:cNvPr id="4" name="Content Placeholder 3" descr="screenshot-app-preview.png"/>
+          <p:cNvPicPr>
+            <a:picLocks noGrp="1" noChangeAspect="1"/>
+          </p:cNvPicPr>
+          <p:nvPr>
+            <p:ph idx="1"/>
+          </p:nvPr>
+        </p:nvPicPr>
+        <p:blipFill rotWithShape="1">
+          <a:blip r:embed="rId2">
+            <a:extLst>
+              <a:ext uri="{28A0092B-C50C-407E-A947-70E740481C1C}">
+                <a14:useLocalDpi xmlns:a14="http://schemas.microsoft.com/office/drawing/2010/main" val="0"/>
+              </a:ext>
+            </a:extLst>
+          </a:blip>
+          <a:srcRect l="18" r="565"/>
+          <a:stretch/>
+        </p:blipFill>
+        <p:spPr>
+          <a:xfrm>
+            <a:off x="1078992" y="2133601"/>
+            <a:ext cx="6949440" cy="3931920"/>
+          </a:xfrm>
+          <a:ln w="12700">
+            <a:solidFill>
+              <a:schemeClr val="tx1"/>
+            </a:solidFill>
+          </a:ln>
+        </p:spPr>
+      </p:pic>
+    </p:spTree>
+    <p:extLst>
+      <p:ext uri="{BB962C8B-B14F-4D97-AF65-F5344CB8AC3E}">
+        <p14:creationId xmlns:p14="http://schemas.microsoft.com/office/powerpoint/2010/main" val="1555167474"/>
+      </p:ext>
+    </p:extLst>
+  </p:cSld>
+  <p:clrMapOvr>
+    <a:masterClrMapping/>
+  </p:clrMapOvr>
+  <p:timing>
+    <p:tnLst>
+      <p:par>
+        <p:cTn xmlns:p14="http://schemas.microsoft.com/office/powerpoint/2010/main" id="1" dur="indefinite" restart="never" nodeType="tmRoot"/>
+      </p:par>
+    </p:tnLst>
+  </p:timing>
+</p:sld>
+</file>
+
+<file path=ppt/slides/slide9.xml><?xml version="1.0" encoding="utf-8"?>
+<p:sld xmlns:a="http://schemas.openxmlformats.org/drawingml/2006/main" xmlns:r="http://schemas.openxmlformats.org/officeDocument/2006/relationships" xmlns:p="http://schemas.openxmlformats.org/presentationml/2006/main">
+  <p:cSld>
+    <p:spTree>
+      <p:nvGrpSpPr>
+        <p:cNvPr id="1" name=""/>
+        <p:cNvGrpSpPr/>
+        <p:nvPr/>
+      </p:nvGrpSpPr>
+      <p:grpSpPr>
+        <a:xfrm>
+          <a:off x="0" y="0"/>
+          <a:ext cx="0" cy="0"/>
+          <a:chOff x="0" y="0"/>
+          <a:chExt cx="0" cy="0"/>
+        </a:xfrm>
+      </p:grpSpPr>
+      <p:sp>
+        <p:nvSpPr>
+          <p:cNvPr id="2" name="Title 1"/>
+          <p:cNvSpPr>
+            <a:spLocks noGrp="1"/>
+          </p:cNvSpPr>
+          <p:nvPr>
+            <p:ph type="title"/>
+          </p:nvPr>
+        </p:nvSpPr>
+        <p:spPr/>
+        <p:txBody>
+          <a:bodyPr/>
+          <a:lstStyle/>
+          <a:p>
+            <a:r>
+              <a:rPr lang="en-US" dirty="0" smtClean="0"/>
+              <a:t>Analysis System Concept</a:t>
+            </a:r>
+            <a:endParaRPr lang="en-US" dirty="0"/>
+          </a:p>
+        </p:txBody>
+      </p:sp>
+      <p:sp>
+        <p:nvSpPr>
+          <p:cNvPr id="3" name="Content Placeholder 2"/>
+          <p:cNvSpPr>
+            <a:spLocks noGrp="1"/>
+          </p:cNvSpPr>
+          <p:nvPr>
+            <p:ph idx="1"/>
+          </p:nvPr>
+        </p:nvSpPr>
+        <p:spPr/>
+        <p:txBody>
+          <a:bodyPr/>
+          <a:lstStyle/>
+          <a:p>
+            <a:r>
+              <a:rPr lang="en-US" dirty="0" smtClean="0"/>
+              <a:t>Divide images into cells</a:t>
+            </a:r>
+          </a:p>
+          <a:p>
+            <a:r>
+              <a:rPr lang="en-US" dirty="0" smtClean="0"/>
+              <a:t>Classify cells</a:t>
+            </a:r>
+          </a:p>
+          <a:p>
+            <a:pPr lvl="1"/>
+            <a:r>
+              <a:rPr lang="en-US" dirty="0" smtClean="0"/>
+              <a:t>Whiteboard</a:t>
+            </a:r>
+          </a:p>
+          <a:p>
+            <a:pPr lvl="1"/>
+            <a:r>
+              <a:rPr lang="en-US" dirty="0" smtClean="0"/>
+              <a:t>Stroke</a:t>
+            </a:r>
+          </a:p>
+          <a:p>
+            <a:pPr lvl="1"/>
+            <a:r>
+              <a:rPr lang="en-US" dirty="0" smtClean="0"/>
+              <a:t>Foreground</a:t>
+            </a:r>
+          </a:p>
+          <a:p>
+            <a:r>
+              <a:rPr lang="en-US" dirty="0" smtClean="0"/>
+              <a:t>Identify key images</a:t>
+            </a:r>
+          </a:p>
+          <a:p>
+            <a:r>
+              <a:rPr lang="en-US" dirty="0" smtClean="0"/>
+              <a:t>Remove foreground</a:t>
+            </a:r>
+          </a:p>
+        </p:txBody>
+      </p:sp>
+      <p:pic>
+        <p:nvPicPr>
+          <p:cNvPr id="4" name="Picture 3" descr="foreground_id_crop.jpg"/>
+          <p:cNvPicPr>
+            <a:picLocks noChangeAspect="1"/>
+          </p:cNvPicPr>
+          <p:nvPr/>
+        </p:nvPicPr>
+        <p:blipFill rotWithShape="1">
+          <a:blip r:embed="rId2">
+            <a:extLst>
+              <a:ext uri="{28A0092B-C50C-407E-A947-70E740481C1C}">
+                <a14:useLocalDpi xmlns:a14="http://schemas.microsoft.com/office/drawing/2010/main" val="0"/>
+              </a:ext>
+            </a:extLst>
+          </a:blip>
+          <a:srcRect l="15005" r="30995"/>
+          <a:stretch/>
+        </p:blipFill>
+        <p:spPr>
+          <a:xfrm>
+            <a:off x="4086810" y="2605553"/>
+            <a:ext cx="4691429" cy="3685092"/>
+          </a:xfrm>
+          <a:prstGeom prst="rect">
+            <a:avLst/>
+          </a:prstGeom>
+        </p:spPr>
+      </p:pic>
+    </p:spTree>
+    <p:extLst>
+      <p:ext uri="{BB962C8B-B14F-4D97-AF65-F5344CB8AC3E}">
+        <p14:creationId xmlns:p14="http://schemas.microsoft.com/office/powerpoint/2010/main" val="1689992969"/>
+      </p:ext>
+    </p:extLst>
+  </p:cSld>
+  <p:clrMapOvr>
+    <a:masterClrMapping/>
+  </p:clrMapOvr>
+  <p:timing>
+    <p:tnLst>
+      <p:par>
+        <p:cTn xmlns:p14="http://schemas.microsoft.com/office/powerpoint/2010/main" id="1" dur="indefinite" restart="never" nodeType="tmRoot"/>
+      </p:par>
+    </p:tnLst>
+  </p:timing>
 </p:sld>
 </file>
 
@@ -8666,4 +10669,324 @@
   </a:objectDefaults>
   <a:extraClrSchemeLst/>
 </a:theme>
+</file>
+
+<file path=ppt/theme/theme2.xml><?xml version="1.0" encoding="utf-8"?>
+<a:theme xmlns:a="http://schemas.openxmlformats.org/drawingml/2006/main" name="Office Theme">
+  <a:themeElements>
+    <a:clrScheme name="Office">
+      <a:dk1>
+        <a:sysClr val="windowText" lastClr="000000"/>
+      </a:dk1>
+      <a:lt1>
+        <a:sysClr val="window" lastClr="FFFFFF"/>
+      </a:lt1>
+      <a:dk2>
+        <a:srgbClr val="1F497D"/>
+      </a:dk2>
+      <a:lt2>
+        <a:srgbClr val="EEECE1"/>
+      </a:lt2>
+      <a:accent1>
+        <a:srgbClr val="4F81BD"/>
+      </a:accent1>
+      <a:accent2>
+        <a:srgbClr val="C0504D"/>
+      </a:accent2>
+      <a:accent3>
+        <a:srgbClr val="9BBB59"/>
+      </a:accent3>
+      <a:accent4>
+        <a:srgbClr val="8064A2"/>
+      </a:accent4>
+      <a:accent5>
+        <a:srgbClr val="4BACC6"/>
+      </a:accent5>
+      <a:accent6>
+        <a:srgbClr val="F79646"/>
+      </a:accent6>
+      <a:hlink>
+        <a:srgbClr val="0000FF"/>
+      </a:hlink>
+      <a:folHlink>
+        <a:srgbClr val="800080"/>
+      </a:folHlink>
+    </a:clrScheme>
+    <a:fontScheme name="Office">
+      <a:majorFont>
+        <a:latin typeface="Calibri"/>
+        <a:ea typeface=""/>
+        <a:cs typeface=""/>
+        <a:font script="Jpan" typeface="ＭＳ Ｐゴシック"/>
+        <a:font script="Hang" typeface="맑은 고딕"/>
+        <a:font script="Hans" typeface="宋体"/>
+        <a:font script="Hant" typeface="新細明體"/>
+        <a:font script="Arab" typeface="Times New Roman"/>
+        <a:font script="Hebr" typeface="Times New Roman"/>
+        <a:font script="Thai" typeface="Angsana New"/>
+        <a:font script="Ethi" typeface="Nyala"/>
+        <a:font script="Beng" typeface="Vrinda"/>
+        <a:font script="Gujr" typeface="Shruti"/>
+        <a:font script="Khmr" typeface="MoolBoran"/>
+        <a:font script="Knda" typeface="Tunga"/>
+        <a:font script="Guru" typeface="Raavi"/>
+        <a:font script="Cans" typeface="Euphemia"/>
+        <a:font script="Cher" typeface="Plantagenet Cherokee"/>
+        <a:font script="Yiii" typeface="Microsoft Yi Baiti"/>
+        <a:font script="Tibt" typeface="Microsoft Himalaya"/>
+        <a:font script="Thaa" typeface="MV Boli"/>
+        <a:font script="Deva" typeface="Mangal"/>
+        <a:font script="Telu" typeface="Gautami"/>
+        <a:font script="Taml" typeface="Latha"/>
+        <a:font script="Syrc" typeface="Estrangelo Edessa"/>
+        <a:font script="Orya" typeface="Kalinga"/>
+        <a:font script="Mlym" typeface="Kartika"/>
+        <a:font script="Laoo" typeface="DokChampa"/>
+        <a:font script="Sinh" typeface="Iskoola Pota"/>
+        <a:font script="Mong" typeface="Mongolian Baiti"/>
+        <a:font script="Viet" typeface="Times New Roman"/>
+        <a:font script="Uigh" typeface="Microsoft Uighur"/>
+        <a:font script="Geor" typeface="Sylfaen"/>
+      </a:majorFont>
+      <a:minorFont>
+        <a:latin typeface="Calibri"/>
+        <a:ea typeface=""/>
+        <a:cs typeface=""/>
+        <a:font script="Jpan" typeface="ＭＳ Ｐゴシック"/>
+        <a:font script="Hang" typeface="맑은 고딕"/>
+        <a:font script="Hans" typeface="宋体"/>
+        <a:font script="Hant" typeface="新細明體"/>
+        <a:font script="Arab" typeface="Arial"/>
+        <a:font script="Hebr" typeface="Arial"/>
+        <a:font script="Thai" typeface="Cordia New"/>
+        <a:font script="Ethi" typeface="Nyala"/>
+        <a:font script="Beng" typeface="Vrinda"/>
+        <a:font script="Gujr" typeface="Shruti"/>
+        <a:font script="Khmr" typeface="DaunPenh"/>
+        <a:font script="Knda" typeface="Tunga"/>
+        <a:font script="Guru" typeface="Raavi"/>
+        <a:font script="Cans" typeface="Euphemia"/>
+        <a:font script="Cher" typeface="Plantagenet Cherokee"/>
+        <a:font script="Yiii" typeface="Microsoft Yi Baiti"/>
+        <a:font script="Tibt" typeface="Microsoft Himalaya"/>
+        <a:font script="Thaa" typeface="MV Boli"/>
+        <a:font script="Deva" typeface="Mangal"/>
+        <a:font script="Telu" typeface="Gautami"/>
+        <a:font script="Taml" typeface="Latha"/>
+        <a:font script="Syrc" typeface="Estrangelo Edessa"/>
+        <a:font script="Orya" typeface="Kalinga"/>
+        <a:font script="Mlym" typeface="Kartika"/>
+        <a:font script="Laoo" typeface="DokChampa"/>
+        <a:font script="Sinh" typeface="Iskoola Pota"/>
+        <a:font script="Mong" typeface="Mongolian Baiti"/>
+        <a:font script="Viet" typeface="Arial"/>
+        <a:font script="Uigh" typeface="Microsoft Uighur"/>
+        <a:font script="Geor" typeface="Sylfaen"/>
+      </a:minorFont>
+    </a:fontScheme>
+    <a:fmtScheme name="Office">
+      <a:fillStyleLst>
+        <a:solidFill>
+          <a:schemeClr val="phClr"/>
+        </a:solidFill>
+        <a:gradFill rotWithShape="1">
+          <a:gsLst>
+            <a:gs pos="0">
+              <a:schemeClr val="phClr">
+                <a:tint val="50000"/>
+                <a:satMod val="300000"/>
+              </a:schemeClr>
+            </a:gs>
+            <a:gs pos="35000">
+              <a:schemeClr val="phClr">
+                <a:tint val="37000"/>
+                <a:satMod val="300000"/>
+              </a:schemeClr>
+            </a:gs>
+            <a:gs pos="100000">
+              <a:schemeClr val="phClr">
+                <a:tint val="15000"/>
+                <a:satMod val="350000"/>
+              </a:schemeClr>
+            </a:gs>
+          </a:gsLst>
+          <a:lin ang="16200000" scaled="1"/>
+        </a:gradFill>
+        <a:gradFill rotWithShape="1">
+          <a:gsLst>
+            <a:gs pos="0">
+              <a:schemeClr val="phClr">
+                <a:tint val="100000"/>
+                <a:shade val="100000"/>
+                <a:satMod val="130000"/>
+              </a:schemeClr>
+            </a:gs>
+            <a:gs pos="100000">
+              <a:schemeClr val="phClr">
+                <a:tint val="50000"/>
+                <a:shade val="100000"/>
+                <a:satMod val="350000"/>
+              </a:schemeClr>
+            </a:gs>
+          </a:gsLst>
+          <a:lin ang="16200000" scaled="0"/>
+        </a:gradFill>
+      </a:fillStyleLst>
+      <a:lnStyleLst>
+        <a:ln w="9525" cap="flat" cmpd="sng" algn="ctr">
+          <a:solidFill>
+            <a:schemeClr val="phClr">
+              <a:shade val="95000"/>
+              <a:satMod val="105000"/>
+            </a:schemeClr>
+          </a:solidFill>
+          <a:prstDash val="solid"/>
+        </a:ln>
+        <a:ln w="25400" cap="flat" cmpd="sng" algn="ctr">
+          <a:solidFill>
+            <a:schemeClr val="phClr"/>
+          </a:solidFill>
+          <a:prstDash val="solid"/>
+        </a:ln>
+        <a:ln w="38100" cap="flat" cmpd="sng" algn="ctr">
+          <a:solidFill>
+            <a:schemeClr val="phClr"/>
+          </a:solidFill>
+          <a:prstDash val="solid"/>
+        </a:ln>
+      </a:lnStyleLst>
+      <a:effectStyleLst>
+        <a:effectStyle>
+          <a:effectLst>
+            <a:outerShdw blurRad="40000" dist="20000" dir="5400000" rotWithShape="0">
+              <a:srgbClr val="000000">
+                <a:alpha val="38000"/>
+              </a:srgbClr>
+            </a:outerShdw>
+          </a:effectLst>
+        </a:effectStyle>
+        <a:effectStyle>
+          <a:effectLst>
+            <a:outerShdw blurRad="40000" dist="23000" dir="5400000" rotWithShape="0">
+              <a:srgbClr val="000000">
+                <a:alpha val="35000"/>
+              </a:srgbClr>
+            </a:outerShdw>
+          </a:effectLst>
+        </a:effectStyle>
+        <a:effectStyle>
+          <a:effectLst>
+            <a:outerShdw blurRad="40000" dist="23000" dir="5400000" rotWithShape="0">
+              <a:srgbClr val="000000">
+                <a:alpha val="35000"/>
+              </a:srgbClr>
+            </a:outerShdw>
+          </a:effectLst>
+          <a:scene3d>
+            <a:camera prst="orthographicFront">
+              <a:rot lat="0" lon="0" rev="0"/>
+            </a:camera>
+            <a:lightRig rig="threePt" dir="t">
+              <a:rot lat="0" lon="0" rev="1200000"/>
+            </a:lightRig>
+          </a:scene3d>
+          <a:sp3d>
+            <a:bevelT w="63500" h="25400"/>
+          </a:sp3d>
+        </a:effectStyle>
+      </a:effectStyleLst>
+      <a:bgFillStyleLst>
+        <a:solidFill>
+          <a:schemeClr val="phClr"/>
+        </a:solidFill>
+        <a:gradFill rotWithShape="1">
+          <a:gsLst>
+            <a:gs pos="0">
+              <a:schemeClr val="phClr">
+                <a:tint val="40000"/>
+                <a:satMod val="350000"/>
+              </a:schemeClr>
+            </a:gs>
+            <a:gs pos="40000">
+              <a:schemeClr val="phClr">
+                <a:tint val="45000"/>
+                <a:shade val="99000"/>
+                <a:satMod val="350000"/>
+              </a:schemeClr>
+            </a:gs>
+            <a:gs pos="100000">
+              <a:schemeClr val="phClr">
+                <a:shade val="20000"/>
+                <a:satMod val="255000"/>
+              </a:schemeClr>
+            </a:gs>
+          </a:gsLst>
+          <a:path path="circle">
+            <a:fillToRect l="50000" t="-80000" r="50000" b="180000"/>
+          </a:path>
+        </a:gradFill>
+        <a:gradFill rotWithShape="1">
+          <a:gsLst>
+            <a:gs pos="0">
+              <a:schemeClr val="phClr">
+                <a:tint val="80000"/>
+                <a:satMod val="300000"/>
+              </a:schemeClr>
+            </a:gs>
+            <a:gs pos="100000">
+              <a:schemeClr val="phClr">
+                <a:shade val="30000"/>
+                <a:satMod val="200000"/>
+              </a:schemeClr>
+            </a:gs>
+          </a:gsLst>
+          <a:path path="circle">
+            <a:fillToRect l="50000" t="50000" r="50000" b="50000"/>
+          </a:path>
+        </a:gradFill>
+      </a:bgFillStyleLst>
+    </a:fmtScheme>
+  </a:themeElements>
+  <a:objectDefaults>
+    <a:spDef>
+      <a:spPr/>
+      <a:bodyPr/>
+      <a:lstStyle/>
+      <a:style>
+        <a:lnRef idx="1">
+          <a:schemeClr val="accent1"/>
+        </a:lnRef>
+        <a:fillRef idx="3">
+          <a:schemeClr val="accent1"/>
+        </a:fillRef>
+        <a:effectRef idx="2">
+          <a:schemeClr val="accent1"/>
+        </a:effectRef>
+        <a:fontRef idx="minor">
+          <a:schemeClr val="lt1"/>
+        </a:fontRef>
+      </a:style>
+    </a:spDef>
+    <a:lnDef>
+      <a:spPr/>
+      <a:bodyPr/>
+      <a:lstStyle/>
+      <a:style>
+        <a:lnRef idx="2">
+          <a:schemeClr val="accent1"/>
+        </a:lnRef>
+        <a:fillRef idx="0">
+          <a:schemeClr val="accent1"/>
+        </a:fillRef>
+        <a:effectRef idx="1">
+          <a:schemeClr val="accent1"/>
+        </a:effectRef>
+        <a:fontRef idx="minor">
+          <a:schemeClr val="tx1"/>
+        </a:fontRef>
+      </a:style>
+    </a:lnDef>
+  </a:objectDefaults>
+  <a:extraClrSchemeLst/>
+</a:theme>
 </file>
--- a/EOS/Panel3.pptx
+++ b/EOS/Panel3.pptx
@@ -5,7 +5,7 @@
     <p:sldMasterId id="2147483660" r:id="rId1"/>
   </p:sldMasterIdLst>
   <p:notesMasterIdLst>
-    <p:notesMasterId r:id="rId15"/>
+    <p:notesMasterId r:id="rId17"/>
   </p:notesMasterIdLst>
   <p:sldIdLst>
     <p:sldId id="256" r:id="rId2"/>
@@ -21,6 +21,8 @@
     <p:sldId id="266" r:id="rId12"/>
     <p:sldId id="268" r:id="rId13"/>
     <p:sldId id="267" r:id="rId14"/>
+    <p:sldId id="269" r:id="rId15"/>
+    <p:sldId id="270" r:id="rId16"/>
   </p:sldIdLst>
   <p:sldSz cx="9144000" cy="6858000" type="screen4x3"/>
   <p:notesSz cx="6858000" cy="9144000"/>
@@ -9316,6 +9318,162 @@
       </p:par>
     </p:tnLst>
   </p:timing>
+</p:sld>
+</file>
+
+<file path=ppt/slides/slide14.xml><?xml version="1.0" encoding="utf-8"?>
+<p:sld xmlns:a="http://schemas.openxmlformats.org/drawingml/2006/main" xmlns:r="http://schemas.openxmlformats.org/officeDocument/2006/relationships" xmlns:p="http://schemas.openxmlformats.org/presentationml/2006/main">
+  <p:cSld>
+    <p:spTree>
+      <p:nvGrpSpPr>
+        <p:cNvPr id="1" name=""/>
+        <p:cNvGrpSpPr/>
+        <p:nvPr/>
+      </p:nvGrpSpPr>
+      <p:grpSpPr>
+        <a:xfrm>
+          <a:off x="0" y="0"/>
+          <a:ext cx="0" cy="0"/>
+          <a:chOff x="0" y="0"/>
+          <a:chExt cx="0" cy="0"/>
+        </a:xfrm>
+      </p:grpSpPr>
+      <p:sp>
+        <p:nvSpPr>
+          <p:cNvPr id="2" name="Title 1"/>
+          <p:cNvSpPr>
+            <a:spLocks noGrp="1"/>
+          </p:cNvSpPr>
+          <p:nvPr>
+            <p:ph type="title"/>
+          </p:nvPr>
+        </p:nvSpPr>
+        <p:spPr/>
+        <p:txBody>
+          <a:bodyPr/>
+          <a:lstStyle/>
+          <a:p>
+            <a:r>
+              <a:rPr lang="en-US" dirty="0" smtClean="0"/>
+              <a:t>Appendix A</a:t>
+            </a:r>
+            <a:endParaRPr lang="en-US" dirty="0"/>
+          </a:p>
+        </p:txBody>
+      </p:sp>
+      <p:pic>
+        <p:nvPicPr>
+          <p:cNvPr id="4" name="Content Placeholder 3" descr="uml-analysis-system.pdf"/>
+          <p:cNvPicPr>
+            <a:picLocks noGrp="1" noChangeAspect="1"/>
+          </p:cNvPicPr>
+          <p:nvPr>
+            <p:ph idx="1"/>
+          </p:nvPr>
+        </p:nvPicPr>
+        <p:blipFill>
+          <a:blip r:embed="rId2">
+            <a:extLst>
+              <a:ext uri="{28A0092B-C50C-407E-A947-70E740481C1C}">
+                <a14:useLocalDpi xmlns:a14="http://schemas.microsoft.com/office/drawing/2010/main" val="0"/>
+              </a:ext>
+            </a:extLst>
+          </a:blip>
+          <a:srcRect t="542" b="542"/>
+          <a:stretch>
+            <a:fillRect/>
+          </a:stretch>
+        </p:blipFill>
+        <p:spPr/>
+      </p:pic>
+    </p:spTree>
+    <p:extLst>
+      <p:ext uri="{BB962C8B-B14F-4D97-AF65-F5344CB8AC3E}">
+        <p14:creationId xmlns:p14="http://schemas.microsoft.com/office/powerpoint/2010/main" val="3565046251"/>
+      </p:ext>
+    </p:extLst>
+  </p:cSld>
+  <p:clrMapOvr>
+    <a:masterClrMapping/>
+  </p:clrMapOvr>
+</p:sld>
+</file>
+
+<file path=ppt/slides/slide15.xml><?xml version="1.0" encoding="utf-8"?>
+<p:sld xmlns:a="http://schemas.openxmlformats.org/drawingml/2006/main" xmlns:r="http://schemas.openxmlformats.org/officeDocument/2006/relationships" xmlns:p="http://schemas.openxmlformats.org/presentationml/2006/main">
+  <p:cSld>
+    <p:spTree>
+      <p:nvGrpSpPr>
+        <p:cNvPr id="1" name=""/>
+        <p:cNvGrpSpPr/>
+        <p:nvPr/>
+      </p:nvGrpSpPr>
+      <p:grpSpPr>
+        <a:xfrm>
+          <a:off x="0" y="0"/>
+          <a:ext cx="0" cy="0"/>
+          <a:chOff x="0" y="0"/>
+          <a:chExt cx="0" cy="0"/>
+        </a:xfrm>
+      </p:grpSpPr>
+      <p:sp>
+        <p:nvSpPr>
+          <p:cNvPr id="2" name="Title 1"/>
+          <p:cNvSpPr>
+            <a:spLocks noGrp="1"/>
+          </p:cNvSpPr>
+          <p:nvPr>
+            <p:ph type="title"/>
+          </p:nvPr>
+        </p:nvSpPr>
+        <p:spPr/>
+        <p:txBody>
+          <a:bodyPr/>
+          <a:lstStyle/>
+          <a:p>
+            <a:r>
+              <a:rPr lang="en-US" dirty="0" smtClean="0"/>
+              <a:t>Appendix B</a:t>
+            </a:r>
+            <a:endParaRPr lang="en-US" dirty="0"/>
+          </a:p>
+        </p:txBody>
+      </p:sp>
+      <p:pic>
+        <p:nvPicPr>
+          <p:cNvPr id="4" name="Content Placeholder 3" descr="uml-capture-system.pdf"/>
+          <p:cNvPicPr>
+            <a:picLocks noGrp="1" noChangeAspect="1"/>
+          </p:cNvPicPr>
+          <p:nvPr>
+            <p:ph idx="1"/>
+          </p:nvPr>
+        </p:nvPicPr>
+        <p:blipFill>
+          <a:blip r:embed="rId2">
+            <a:extLst>
+              <a:ext uri="{28A0092B-C50C-407E-A947-70E740481C1C}">
+                <a14:useLocalDpi xmlns:a14="http://schemas.microsoft.com/office/drawing/2010/main" val="0"/>
+              </a:ext>
+            </a:extLst>
+          </a:blip>
+          <a:srcRect l="-26683" r="-26683"/>
+          <a:stretch>
+            <a:fillRect/>
+          </a:stretch>
+        </p:blipFill>
+        <p:spPr/>
+      </p:pic>
+    </p:spTree>
+    <p:extLst>
+      <p:ext uri="{BB962C8B-B14F-4D97-AF65-F5344CB8AC3E}">
+        <p14:creationId xmlns:p14="http://schemas.microsoft.com/office/powerpoint/2010/main" val="3904769546"/>
+      </p:ext>
+    </p:extLst>
+  </p:cSld>
+  <p:clrMapOvr>
+    <a:masterClrMapping/>
+  </p:clrMapOvr>
 </p:sld>
 </file>
 
